--- a/assets/lectures/cbw-cshl/2019/mini/RNASeq_MiniLecture_09_02_AlignmentFreeKallisto.pptx
+++ b/assets/lectures/cbw-cshl/2019/mini/RNASeq_MiniLecture_09_02_AlignmentFreeKallisto.pptx
@@ -5,12 +5,10 @@
     <p:sldMasterId id="2147483660" r:id="rId1"/>
   </p:sldMasterIdLst>
   <p:notesMasterIdLst>
-    <p:notesMasterId r:id="rId5"/>
+    <p:notesMasterId r:id="rId3"/>
   </p:notesMasterIdLst>
   <p:sldIdLst>
-    <p:sldId id="257" r:id="rId2"/>
-    <p:sldId id="258" r:id="rId3"/>
-    <p:sldId id="259" r:id="rId4"/>
+    <p:sldId id="259" r:id="rId2"/>
   </p:sldIdLst>
   <p:sldSz cx="12192000" cy="6858000"/>
   <p:notesSz cx="6858000" cy="9144000"/>
@@ -199,7 +197,7 @@
           <a:p>
             <a:fld id="{827BD9F9-8452-A342-BB1B-28ECF19E2CC5}" type="datetimeFigureOut">
               <a:rPr lang="en-US" smtClean="0"/>
-              <a:t>3/4/19</a:t>
+              <a:t>3/11/19</a:t>
             </a:fld>
             <a:endParaRPr lang="en-US"/>
           </a:p>
@@ -720,14 +718,14 @@
           </a:ln>
           <a:extLst>
             <a:ext uri="{909E8E84-426E-40dd-AFC4-6F175D3DCCD1}">
-              <a14:hiddenFill xmlns:a14="http://schemas.microsoft.com/office/drawing/2010/main" xmlns="">
+              <a14:hiddenFill xmlns="" xmlns:a14="http://schemas.microsoft.com/office/drawing/2010/main">
                 <a:solidFill>
                   <a:srgbClr val="FFFFFF"/>
                 </a:solidFill>
               </a14:hiddenFill>
             </a:ext>
             <a:ext uri="{91240B29-F687-4f45-9708-019B960494DF}">
-              <a14:hiddenLine xmlns:a14="http://schemas.microsoft.com/office/drawing/2010/main" xmlns="" w="9525">
+              <a14:hiddenLine xmlns="" xmlns:a14="http://schemas.microsoft.com/office/drawing/2010/main" w="9525">
                 <a:solidFill>
                   <a:srgbClr val="000000"/>
                 </a:solidFill>
@@ -3483,14 +3481,14 @@
           </a:ln>
           <a:extLst>
             <a:ext uri="{909E8E84-426E-40dd-AFC4-6F175D3DCCD1}">
-              <a14:hiddenFill xmlns:a14="http://schemas.microsoft.com/office/drawing/2010/main" xmlns="">
+              <a14:hiddenFill xmlns="" xmlns:a14="http://schemas.microsoft.com/office/drawing/2010/main">
                 <a:solidFill>
                   <a:srgbClr val="FFFFFF"/>
                 </a:solidFill>
               </a14:hiddenFill>
             </a:ext>
             <a:ext uri="{91240B29-F687-4f45-9708-019B960494DF}">
-              <a14:hiddenLine xmlns:a14="http://schemas.microsoft.com/office/drawing/2010/main" xmlns="" w="9525">
+              <a14:hiddenLine xmlns="" xmlns:a14="http://schemas.microsoft.com/office/drawing/2010/main" w="9525">
                 <a:solidFill>
                   <a:srgbClr val="000000"/>
                 </a:solidFill>
@@ -3625,7 +3623,7 @@
                 <a:latin typeface="Calibri" charset="0"/>
                 <a:cs typeface="Calibri" charset="0"/>
               </a:rPr>
-              <a:t>Module </a:t>
+              <a:t>Module 9 </a:t>
             </a:r>
           </a:p>
         </p:txBody>
@@ -3772,19 +3770,7 @@
               <a:rPr lang="en-US" b="1" dirty="0" err="1">
                 <a:cs typeface="Arial" charset="0"/>
               </a:rPr>
-              <a:t>bio</a:t>
-            </a:r>
-            <a:r>
-              <a:rPr lang="en-US" dirty="0" err="1">
-                <a:cs typeface="Arial" charset="0"/>
-              </a:rPr>
-              <a:t>informatics</a:t>
-            </a:r>
-            <a:r>
-              <a:rPr lang="en-US" sz="1400" dirty="0" err="1">
-                <a:cs typeface="Arial" charset="0"/>
-              </a:rPr>
-              <a:t>.ca</a:t>
+              <a:t>rnabio.org</a:t>
             </a:r>
             <a:endParaRPr lang="en-US" dirty="0">
               <a:cs typeface="Arial" charset="0"/>
@@ -4116,510 +4102,6 @@
       </p:grpSpPr>
       <p:sp>
         <p:nvSpPr>
-          <p:cNvPr id="4" name="Rectangle 2">
-            <a:extLst>
-              <a:ext uri="{FF2B5EF4-FFF2-40B4-BE49-F238E27FC236}">
-                <a16:creationId xmlns:a16="http://schemas.microsoft.com/office/drawing/2014/main" id="{3951701B-699C-D042-8C4F-2B7A911EC7B7}"/>
-              </a:ext>
-            </a:extLst>
-          </p:cNvPr>
-          <p:cNvSpPr txBox="1">
-            <a:spLocks noChangeArrowheads="1"/>
-          </p:cNvSpPr>
-          <p:nvPr/>
-        </p:nvSpPr>
-        <p:spPr>
-          <a:xfrm>
-            <a:off x="931221" y="2489451"/>
-            <a:ext cx="10294920" cy="1447800"/>
-          </a:xfrm>
-          <a:prstGeom prst="rect">
-            <a:avLst/>
-          </a:prstGeom>
-        </p:spPr>
-        <p:txBody>
-          <a:bodyPr vert="horz" lIns="91440" tIns="45720" rIns="91440" bIns="45720" rtlCol="0" anchor="ctr">
-            <a:normAutofit/>
-          </a:bodyPr>
-          <a:lstStyle>
-            <a:lvl1pPr algn="l" defTabSz="914400" rtl="0" eaLnBrk="1" latinLnBrk="0" hangingPunct="1">
-              <a:lnSpc>
-                <a:spcPct val="90000"/>
-              </a:lnSpc>
-              <a:spcBef>
-                <a:spcPct val="0"/>
-              </a:spcBef>
-              <a:buNone/>
-              <a:defRPr sz="4400" kern="1200">
-                <a:solidFill>
-                  <a:schemeClr val="tx1"/>
-                </a:solidFill>
-                <a:latin typeface="+mj-lt"/>
-                <a:ea typeface="+mj-ea"/>
-                <a:cs typeface="+mj-cs"/>
-              </a:defRPr>
-            </a:lvl1pPr>
-          </a:lstStyle>
-          <a:p>
-            <a:pPr marL="0" marR="0" lvl="0" indent="0" algn="l" defTabSz="914400" rtl="0" eaLnBrk="1" fontAlgn="auto" latinLnBrk="0" hangingPunct="1">
-              <a:lnSpc>
-                <a:spcPct val="90000"/>
-              </a:lnSpc>
-              <a:spcBef>
-                <a:spcPct val="0"/>
-              </a:spcBef>
-              <a:spcAft>
-                <a:spcPts val="0"/>
-              </a:spcAft>
-              <a:buClrTx/>
-              <a:buSzTx/>
-              <a:buFontTx/>
-              <a:buNone/>
-              <a:tabLst/>
-              <a:defRPr/>
-            </a:pPr>
-            <a:r>
-              <a:rPr kumimoji="0" lang="en-US" sz="4400" b="0" i="0" u="none" strike="noStrike" kern="1200" cap="none" spc="0" normalizeH="0" baseline="0" noProof="0" dirty="0">
-                <a:ln>
-                  <a:noFill/>
-                </a:ln>
-                <a:solidFill>
-                  <a:srgbClr val="9A3334"/>
-                </a:solidFill>
-                <a:effectLst/>
-                <a:uLnTx/>
-                <a:uFillTx/>
-                <a:latin typeface="Verdana" panose="020B0604030504040204" pitchFamily="34" charset="0"/>
-                <a:ea typeface="Verdana" panose="020B0604030504040204" pitchFamily="34" charset="0"/>
-                <a:cs typeface="Verdana" panose="020B0604030504040204" pitchFamily="34" charset="0"/>
-              </a:rPr>
-              <a:t>Canadian Bioinformatics Workshops</a:t>
-            </a:r>
-          </a:p>
-        </p:txBody>
-      </p:sp>
-      <p:sp>
-        <p:nvSpPr>
-          <p:cNvPr id="5" name="Rectangle 3">
-            <a:extLst>
-              <a:ext uri="{FF2B5EF4-FFF2-40B4-BE49-F238E27FC236}">
-                <a16:creationId xmlns:a16="http://schemas.microsoft.com/office/drawing/2014/main" id="{F9B358B9-3A44-4642-B0D6-A899FE00280C}"/>
-              </a:ext>
-            </a:extLst>
-          </p:cNvPr>
-          <p:cNvSpPr txBox="1">
-            <a:spLocks noChangeArrowheads="1"/>
-          </p:cNvSpPr>
-          <p:nvPr/>
-        </p:nvSpPr>
-        <p:spPr>
-          <a:xfrm>
-            <a:off x="2058889" y="3719450"/>
-            <a:ext cx="8039584" cy="1927225"/>
-          </a:xfrm>
-          <a:prstGeom prst="rect">
-            <a:avLst/>
-          </a:prstGeom>
-        </p:spPr>
-        <p:txBody>
-          <a:bodyPr vert="horz" lIns="91440" tIns="45720" rIns="91440" bIns="45720" rtlCol="0">
-            <a:normAutofit/>
-          </a:bodyPr>
-          <a:lstStyle>
-            <a:lvl1pPr marL="228600" indent="-228600" algn="l" defTabSz="914400" rtl="0" eaLnBrk="1" latinLnBrk="0" hangingPunct="1">
-              <a:lnSpc>
-                <a:spcPct val="90000"/>
-              </a:lnSpc>
-              <a:spcBef>
-                <a:spcPts val="1000"/>
-              </a:spcBef>
-              <a:buFont typeface="Arial" panose="020B0604020202020204" pitchFamily="34" charset="0"/>
-              <a:buChar char="•"/>
-              <a:defRPr sz="2800" kern="1200">
-                <a:solidFill>
-                  <a:schemeClr val="tx1"/>
-                </a:solidFill>
-                <a:latin typeface="+mn-lt"/>
-                <a:ea typeface="+mn-ea"/>
-                <a:cs typeface="+mn-cs"/>
-              </a:defRPr>
-            </a:lvl1pPr>
-            <a:lvl2pPr marL="685800" indent="-228600" algn="l" defTabSz="914400" rtl="0" eaLnBrk="1" latinLnBrk="0" hangingPunct="1">
-              <a:lnSpc>
-                <a:spcPct val="90000"/>
-              </a:lnSpc>
-              <a:spcBef>
-                <a:spcPts val="500"/>
-              </a:spcBef>
-              <a:buFont typeface="Arial" panose="020B0604020202020204" pitchFamily="34" charset="0"/>
-              <a:buChar char="•"/>
-              <a:defRPr sz="2400" kern="1200">
-                <a:solidFill>
-                  <a:schemeClr val="tx1"/>
-                </a:solidFill>
-                <a:latin typeface="+mn-lt"/>
-                <a:ea typeface="+mn-ea"/>
-                <a:cs typeface="+mn-cs"/>
-              </a:defRPr>
-            </a:lvl2pPr>
-            <a:lvl3pPr marL="1143000" indent="-228600" algn="l" defTabSz="914400" rtl="0" eaLnBrk="1" latinLnBrk="0" hangingPunct="1">
-              <a:lnSpc>
-                <a:spcPct val="90000"/>
-              </a:lnSpc>
-              <a:spcBef>
-                <a:spcPts val="500"/>
-              </a:spcBef>
-              <a:buFont typeface="Arial" panose="020B0604020202020204" pitchFamily="34" charset="0"/>
-              <a:buChar char="•"/>
-              <a:defRPr sz="2000" kern="1200">
-                <a:solidFill>
-                  <a:schemeClr val="tx1"/>
-                </a:solidFill>
-                <a:latin typeface="+mn-lt"/>
-                <a:ea typeface="+mn-ea"/>
-                <a:cs typeface="+mn-cs"/>
-              </a:defRPr>
-            </a:lvl3pPr>
-            <a:lvl4pPr marL="1600200" indent="-228600" algn="l" defTabSz="914400" rtl="0" eaLnBrk="1" latinLnBrk="0" hangingPunct="1">
-              <a:lnSpc>
-                <a:spcPct val="90000"/>
-              </a:lnSpc>
-              <a:spcBef>
-                <a:spcPts val="500"/>
-              </a:spcBef>
-              <a:buFont typeface="Arial" panose="020B0604020202020204" pitchFamily="34" charset="0"/>
-              <a:buChar char="•"/>
-              <a:defRPr sz="1800" kern="1200">
-                <a:solidFill>
-                  <a:schemeClr val="tx1"/>
-                </a:solidFill>
-                <a:latin typeface="+mn-lt"/>
-                <a:ea typeface="+mn-ea"/>
-                <a:cs typeface="+mn-cs"/>
-              </a:defRPr>
-            </a:lvl4pPr>
-            <a:lvl5pPr marL="2057400" indent="-228600" algn="l" defTabSz="914400" rtl="0" eaLnBrk="1" latinLnBrk="0" hangingPunct="1">
-              <a:lnSpc>
-                <a:spcPct val="90000"/>
-              </a:lnSpc>
-              <a:spcBef>
-                <a:spcPts val="500"/>
-              </a:spcBef>
-              <a:buFont typeface="Arial" panose="020B0604020202020204" pitchFamily="34" charset="0"/>
-              <a:buChar char="•"/>
-              <a:defRPr sz="1800" kern="1200">
-                <a:solidFill>
-                  <a:schemeClr val="tx1"/>
-                </a:solidFill>
-                <a:latin typeface="+mn-lt"/>
-                <a:ea typeface="+mn-ea"/>
-                <a:cs typeface="+mn-cs"/>
-              </a:defRPr>
-            </a:lvl5pPr>
-            <a:lvl6pPr marL="2514600" indent="-228600" algn="l" defTabSz="914400" rtl="0" eaLnBrk="1" latinLnBrk="0" hangingPunct="1">
-              <a:lnSpc>
-                <a:spcPct val="90000"/>
-              </a:lnSpc>
-              <a:spcBef>
-                <a:spcPts val="500"/>
-              </a:spcBef>
-              <a:buFont typeface="Arial" panose="020B0604020202020204" pitchFamily="34" charset="0"/>
-              <a:buChar char="•"/>
-              <a:defRPr sz="1800" kern="1200">
-                <a:solidFill>
-                  <a:schemeClr val="tx1"/>
-                </a:solidFill>
-                <a:latin typeface="+mn-lt"/>
-                <a:ea typeface="+mn-ea"/>
-                <a:cs typeface="+mn-cs"/>
-              </a:defRPr>
-            </a:lvl6pPr>
-            <a:lvl7pPr marL="2971800" indent="-228600" algn="l" defTabSz="914400" rtl="0" eaLnBrk="1" latinLnBrk="0" hangingPunct="1">
-              <a:lnSpc>
-                <a:spcPct val="90000"/>
-              </a:lnSpc>
-              <a:spcBef>
-                <a:spcPts val="500"/>
-              </a:spcBef>
-              <a:buFont typeface="Arial" panose="020B0604020202020204" pitchFamily="34" charset="0"/>
-              <a:buChar char="•"/>
-              <a:defRPr sz="1800" kern="1200">
-                <a:solidFill>
-                  <a:schemeClr val="tx1"/>
-                </a:solidFill>
-                <a:latin typeface="+mn-lt"/>
-                <a:ea typeface="+mn-ea"/>
-                <a:cs typeface="+mn-cs"/>
-              </a:defRPr>
-            </a:lvl7pPr>
-            <a:lvl8pPr marL="3429000" indent="-228600" algn="l" defTabSz="914400" rtl="0" eaLnBrk="1" latinLnBrk="0" hangingPunct="1">
-              <a:lnSpc>
-                <a:spcPct val="90000"/>
-              </a:lnSpc>
-              <a:spcBef>
-                <a:spcPts val="500"/>
-              </a:spcBef>
-              <a:buFont typeface="Arial" panose="020B0604020202020204" pitchFamily="34" charset="0"/>
-              <a:buChar char="•"/>
-              <a:defRPr sz="1800" kern="1200">
-                <a:solidFill>
-                  <a:schemeClr val="tx1"/>
-                </a:solidFill>
-                <a:latin typeface="+mn-lt"/>
-                <a:ea typeface="+mn-ea"/>
-                <a:cs typeface="+mn-cs"/>
-              </a:defRPr>
-            </a:lvl8pPr>
-            <a:lvl9pPr marL="3886200" indent="-228600" algn="l" defTabSz="914400" rtl="0" eaLnBrk="1" latinLnBrk="0" hangingPunct="1">
-              <a:lnSpc>
-                <a:spcPct val="90000"/>
-              </a:lnSpc>
-              <a:spcBef>
-                <a:spcPts val="500"/>
-              </a:spcBef>
-              <a:buFont typeface="Arial" panose="020B0604020202020204" pitchFamily="34" charset="0"/>
-              <a:buChar char="•"/>
-              <a:defRPr sz="1800" kern="1200">
-                <a:solidFill>
-                  <a:schemeClr val="tx1"/>
-                </a:solidFill>
-                <a:latin typeface="+mn-lt"/>
-                <a:ea typeface="+mn-ea"/>
-                <a:cs typeface="+mn-cs"/>
-              </a:defRPr>
-            </a:lvl9pPr>
-          </a:lstStyle>
-          <a:p>
-            <a:pPr marL="0" marR="0" lvl="0" indent="0" algn="ctr" defTabSz="914400" rtl="0" eaLnBrk="1" fontAlgn="auto" latinLnBrk="0" hangingPunct="1">
-              <a:lnSpc>
-                <a:spcPct val="90000"/>
-              </a:lnSpc>
-              <a:spcBef>
-                <a:spcPts val="1000"/>
-              </a:spcBef>
-              <a:spcAft>
-                <a:spcPts val="0"/>
-              </a:spcAft>
-              <a:buClrTx/>
-              <a:buSzTx/>
-              <a:buFont typeface="Arial" charset="0"/>
-              <a:buNone/>
-              <a:tabLst/>
-              <a:defRPr/>
-            </a:pPr>
-            <a:r>
-              <a:rPr kumimoji="0" lang="en-US" sz="2800" b="0" i="0" u="none" strike="noStrike" kern="1200" cap="none" spc="0" normalizeH="0" baseline="0" noProof="0" dirty="0" err="1">
-                <a:ln>
-                  <a:noFill/>
-                </a:ln>
-                <a:solidFill>
-                  <a:prstClr val="black"/>
-                </a:solidFill>
-                <a:effectLst/>
-                <a:uLnTx/>
-                <a:uFillTx/>
-                <a:latin typeface="Verdana" panose="020B0604030504040204"/>
-                <a:ea typeface="ＭＳ Ｐゴシック" charset="0"/>
-                <a:cs typeface="ＭＳ Ｐゴシック" charset="0"/>
-              </a:rPr>
-              <a:t>www.bioinformatics.ca</a:t>
-            </a:r>
-            <a:endParaRPr kumimoji="0" lang="en-US" sz="2800" b="0" i="0" u="none" strike="noStrike" kern="1200" cap="none" spc="0" normalizeH="0" baseline="0" noProof="0" dirty="0">
-              <a:ln>
-                <a:noFill/>
-              </a:ln>
-              <a:solidFill>
-                <a:prstClr val="black"/>
-              </a:solidFill>
-              <a:effectLst/>
-              <a:uLnTx/>
-              <a:uFillTx/>
-              <a:latin typeface="Verdana" panose="020B0604030504040204"/>
-              <a:ea typeface="ＭＳ Ｐゴシック" charset="0"/>
-              <a:cs typeface="ＭＳ Ｐゴシック" charset="0"/>
-            </a:endParaRPr>
-          </a:p>
-          <a:p>
-            <a:pPr marL="0" marR="0" lvl="0" indent="0" algn="ctr" defTabSz="914400" rtl="0" eaLnBrk="1" fontAlgn="auto" latinLnBrk="0" hangingPunct="1">
-              <a:lnSpc>
-                <a:spcPct val="90000"/>
-              </a:lnSpc>
-              <a:spcBef>
-                <a:spcPts val="1000"/>
-              </a:spcBef>
-              <a:spcAft>
-                <a:spcPts val="0"/>
-              </a:spcAft>
-              <a:buClrTx/>
-              <a:buSzTx/>
-              <a:buFont typeface="Arial" charset="0"/>
-              <a:buNone/>
-              <a:tabLst/>
-              <a:defRPr/>
-            </a:pPr>
-            <a:r>
-              <a:rPr kumimoji="0" lang="en-US" sz="2800" b="0" i="0" u="none" strike="noStrike" kern="1200" cap="none" spc="0" normalizeH="0" baseline="0" noProof="0" dirty="0" err="1">
-                <a:ln>
-                  <a:noFill/>
-                </a:ln>
-                <a:solidFill>
-                  <a:prstClr val="black"/>
-                </a:solidFill>
-                <a:effectLst/>
-                <a:uLnTx/>
-                <a:uFillTx/>
-                <a:latin typeface="Verdana" panose="020B0604030504040204"/>
-                <a:ea typeface="ＭＳ Ｐゴシック" charset="0"/>
-                <a:cs typeface="ＭＳ Ｐゴシック" charset="0"/>
-              </a:rPr>
-              <a:t>bioinformaticsdotca.github.io</a:t>
-            </a:r>
-            <a:endParaRPr kumimoji="0" lang="en-US" sz="2800" b="0" i="0" u="none" strike="noStrike" kern="1200" cap="none" spc="0" normalizeH="0" baseline="0" noProof="0" dirty="0">
-              <a:ln>
-                <a:noFill/>
-              </a:ln>
-              <a:solidFill>
-                <a:prstClr val="black"/>
-              </a:solidFill>
-              <a:effectLst/>
-              <a:uLnTx/>
-              <a:uFillTx/>
-              <a:latin typeface="Verdana" panose="020B0604030504040204"/>
-              <a:ea typeface="ＭＳ Ｐゴシック" charset="0"/>
-              <a:cs typeface="ＭＳ Ｐゴシック" charset="0"/>
-            </a:endParaRPr>
-          </a:p>
-        </p:txBody>
-      </p:sp>
-      <p:pic>
-        <p:nvPicPr>
-          <p:cNvPr id="6" name="Picture 5">
-            <a:extLst>
-              <a:ext uri="{FF2B5EF4-FFF2-40B4-BE49-F238E27FC236}">
-                <a16:creationId xmlns:a16="http://schemas.microsoft.com/office/drawing/2014/main" id="{7E3CC30E-EF41-4A4B-AD78-53A11C3D8B87}"/>
-              </a:ext>
-            </a:extLst>
-          </p:cNvPr>
-          <p:cNvPicPr>
-            <a:picLocks noChangeAspect="1"/>
-          </p:cNvPicPr>
-          <p:nvPr/>
-        </p:nvPicPr>
-        <p:blipFill>
-          <a:blip r:embed="rId2"/>
-          <a:stretch>
-            <a:fillRect/>
-          </a:stretch>
-        </p:blipFill>
-        <p:spPr>
-          <a:xfrm>
-            <a:off x="10608072" y="5106390"/>
-            <a:ext cx="1583928" cy="1313871"/>
-          </a:xfrm>
-          <a:prstGeom prst="rect">
-            <a:avLst/>
-          </a:prstGeom>
-        </p:spPr>
-      </p:pic>
-    </p:spTree>
-    <p:extLst>
-      <p:ext uri="{BB962C8B-B14F-4D97-AF65-F5344CB8AC3E}">
-        <p14:creationId xmlns:p14="http://schemas.microsoft.com/office/powerpoint/2010/main" val="454110252"/>
-      </p:ext>
-    </p:extLst>
-  </p:cSld>
-  <p:clrMapOvr>
-    <a:masterClrMapping/>
-  </p:clrMapOvr>
-</p:sld>
-</file>
-
-<file path=ppt/slides/slide2.xml><?xml version="1.0" encoding="utf-8"?>
-<p:sld xmlns:a="http://schemas.openxmlformats.org/drawingml/2006/main" xmlns:r="http://schemas.openxmlformats.org/officeDocument/2006/relationships" xmlns:p="http://schemas.openxmlformats.org/presentationml/2006/main">
-  <p:cSld>
-    <p:spTree>
-      <p:nvGrpSpPr>
-        <p:cNvPr id="1" name=""/>
-        <p:cNvGrpSpPr/>
-        <p:nvPr/>
-      </p:nvGrpSpPr>
-      <p:grpSpPr>
-        <a:xfrm>
-          <a:off x="0" y="0"/>
-          <a:ext cx="0" cy="0"/>
-          <a:chOff x="0" y="0"/>
-          <a:chExt cx="0" cy="0"/>
-        </a:xfrm>
-      </p:grpSpPr>
-      <p:pic>
-        <p:nvPicPr>
-          <p:cNvPr id="4" name="Content Placeholder 9" descr="Picture 1.png">
-            <a:extLst>
-              <a:ext uri="{FF2B5EF4-FFF2-40B4-BE49-F238E27FC236}">
-                <a16:creationId xmlns:a16="http://schemas.microsoft.com/office/drawing/2014/main" id="{548BE5EC-9575-1847-9F91-986B05624E52}"/>
-              </a:ext>
-            </a:extLst>
-          </p:cNvPr>
-          <p:cNvPicPr>
-            <a:picLocks noChangeAspect="1"/>
-          </p:cNvPicPr>
-          <p:nvPr/>
-        </p:nvPicPr>
-        <p:blipFill>
-          <a:blip r:embed="rId2">
-            <a:extLst>
-              <a:ext uri="{28A0092B-C50C-407E-A947-70E740481C1C}">
-                <a14:useLocalDpi xmlns:a14="http://schemas.microsoft.com/office/drawing/2010/main" val="0"/>
-              </a:ext>
-            </a:extLst>
-          </a:blip>
-          <a:srcRect/>
-          <a:stretch>
-            <a:fillRect/>
-          </a:stretch>
-        </p:blipFill>
-        <p:spPr>
-          <a:xfrm>
-            <a:off x="2822576" y="0"/>
-            <a:ext cx="6518495" cy="6400800"/>
-          </a:xfrm>
-          <a:prstGeom prst="rect">
-            <a:avLst/>
-          </a:prstGeom>
-        </p:spPr>
-      </p:pic>
-    </p:spTree>
-    <p:extLst>
-      <p:ext uri="{BB962C8B-B14F-4D97-AF65-F5344CB8AC3E}">
-        <p14:creationId xmlns:p14="http://schemas.microsoft.com/office/powerpoint/2010/main" val="1334057523"/>
-      </p:ext>
-    </p:extLst>
-  </p:cSld>
-  <p:clrMapOvr>
-    <a:masterClrMapping/>
-  </p:clrMapOvr>
-</p:sld>
-</file>
-
-<file path=ppt/slides/slide3.xml><?xml version="1.0" encoding="utf-8"?>
-<p:sld xmlns:a="http://schemas.openxmlformats.org/drawingml/2006/main" xmlns:r="http://schemas.openxmlformats.org/officeDocument/2006/relationships" xmlns:p="http://schemas.openxmlformats.org/presentationml/2006/main">
-  <p:cSld>
-    <p:spTree>
-      <p:nvGrpSpPr>
-        <p:cNvPr id="1" name=""/>
-        <p:cNvGrpSpPr/>
-        <p:nvPr/>
-      </p:nvGrpSpPr>
-      <p:grpSpPr>
-        <a:xfrm>
-          <a:off x="0" y="0"/>
-          <a:ext cx="0" cy="0"/>
-          <a:chOff x="0" y="0"/>
-          <a:chExt cx="0" cy="0"/>
-        </a:xfrm>
-      </p:grpSpPr>
-      <p:sp>
-        <p:nvSpPr>
           <p:cNvPr id="2" name="Title 1">
             <a:extLst>
               <a:ext uri="{FF2B5EF4-FFF2-40B4-BE49-F238E27FC236}">
@@ -4675,10 +4157,10 @@
                 <a:latin typeface="Calibri" charset="0"/>
                 <a:cs typeface="Segoe UI" charset="0"/>
               </a:rPr>
-              <a:t> Module 2</a:t>
+              <a:t> Module 9</a:t>
             </a:r>
             <a:br>
-              <a:rPr lang="en-US" sz="3600">
+              <a:rPr lang="en-US" sz="3600" dirty="0">
                 <a:solidFill>
                   <a:schemeClr val="bg1"/>
                 </a:solidFill>
@@ -4687,14 +4169,34 @@
               </a:rPr>
             </a:br>
             <a:r>
-              <a:rPr lang="en-US" sz="3600">
+              <a:rPr lang="en-US" sz="3600" dirty="0">
                 <a:solidFill>
                   <a:schemeClr val="bg1"/>
                 </a:solidFill>
                 <a:latin typeface="Calibri" charset="0"/>
                 <a:cs typeface="Segoe UI" charset="0"/>
               </a:rPr>
-              <a:t>Alignment</a:t>
+              <a:t>Alignment Free Expression Estimation (</a:t>
+            </a:r>
+            <a:r>
+              <a:rPr lang="en-US" sz="3600" dirty="0" err="1">
+                <a:solidFill>
+                  <a:schemeClr val="bg1"/>
+                </a:solidFill>
+                <a:latin typeface="Calibri" charset="0"/>
+                <a:cs typeface="Segoe UI" charset="0"/>
+              </a:rPr>
+              <a:t>Kallisto</a:t>
+            </a:r>
+            <a:r>
+              <a:rPr lang="en-US" sz="3600" dirty="0">
+                <a:solidFill>
+                  <a:schemeClr val="bg1"/>
+                </a:solidFill>
+                <a:latin typeface="Calibri" charset="0"/>
+                <a:cs typeface="Segoe UI" charset="0"/>
+              </a:rPr>
+              <a:t>)</a:t>
             </a:r>
             <a:endParaRPr lang="en-US" sz="3200" b="1" dirty="0">
               <a:solidFill>
@@ -4754,28 +4256,6 @@
                 <a:schemeClr val="bg1"/>
               </a:solidFill>
             </a:endParaRPr>
-          </a:p>
-          <a:p>
-            <a:pPr algn="r"/>
-            <a:r>
-              <a:rPr lang="en-US" dirty="0">
-                <a:solidFill>
-                  <a:schemeClr val="bg1"/>
-                </a:solidFill>
-              </a:rPr>
-              <a:t>High-Throughput Biology: From Sequence to Networks</a:t>
-            </a:r>
-          </a:p>
-          <a:p>
-            <a:pPr algn="r"/>
-            <a:r>
-              <a:rPr lang="en-US" dirty="0">
-                <a:solidFill>
-                  <a:schemeClr val="bg1"/>
-                </a:solidFill>
-              </a:rPr>
-              <a:t>March 11-17, 2019</a:t>
-            </a:r>
           </a:p>
         </p:txBody>
       </p:sp>
@@ -4915,14 +4395,14 @@
           </a:ln>
           <a:extLst>
             <a:ext uri="{909E8E84-426E-40dd-AFC4-6F175D3DCCD1}">
-              <a14:hiddenFill xmlns:a14="http://schemas.microsoft.com/office/drawing/2010/main" xmlns="">
+              <a14:hiddenFill xmlns="" xmlns:a14="http://schemas.microsoft.com/office/drawing/2010/main">
                 <a:solidFill>
                   <a:srgbClr val="FFFFFF"/>
                 </a:solidFill>
               </a14:hiddenFill>
             </a:ext>
             <a:ext uri="{91240B29-F687-4f45-9708-019B960494DF}">
-              <a14:hiddenLine xmlns:a14="http://schemas.microsoft.com/office/drawing/2010/main" xmlns="" w="9525">
+              <a14:hiddenLine xmlns="" xmlns:a14="http://schemas.microsoft.com/office/drawing/2010/main" w="9525">
                 <a:solidFill>
                   <a:srgbClr val="000000"/>
                 </a:solidFill>

--- a/assets/lectures/cbw-cshl/2019/mini/RNASeq_MiniLecture_09_02_AlignmentFreeKallisto.pptx
+++ b/assets/lectures/cbw-cshl/2019/mini/RNASeq_MiniLecture_09_02_AlignmentFreeKallisto.pptx
@@ -5,10 +5,16 @@
     <p:sldMasterId id="2147483660" r:id="rId1"/>
   </p:sldMasterIdLst>
   <p:notesMasterIdLst>
-    <p:notesMasterId r:id="rId3"/>
+    <p:notesMasterId r:id="rId9"/>
   </p:notesMasterIdLst>
   <p:sldIdLst>
     <p:sldId id="259" r:id="rId2"/>
+    <p:sldId id="528" r:id="rId3"/>
+    <p:sldId id="529" r:id="rId4"/>
+    <p:sldId id="533" r:id="rId5"/>
+    <p:sldId id="530" r:id="rId6"/>
+    <p:sldId id="531" r:id="rId7"/>
+    <p:sldId id="532" r:id="rId8"/>
   </p:sldIdLst>
   <p:sldSz cx="12192000" cy="6858000"/>
   <p:notesSz cx="6858000" cy="9144000"/>
@@ -197,7 +203,7 @@
           <a:p>
             <a:fld id="{827BD9F9-8452-A342-BB1B-28ECF19E2CC5}" type="datetimeFigureOut">
               <a:rPr lang="en-US" smtClean="0"/>
-              <a:t>3/11/19</a:t>
+              <a:t>3/12/19</a:t>
             </a:fld>
             <a:endParaRPr lang="en-US"/>
           </a:p>
@@ -464,6 +470,208 @@
 </p:notesMaster>
 </file>
 
+<file path=ppt/notesSlides/notesSlide1.xml><?xml version="1.0" encoding="utf-8"?>
+<p:notes xmlns:a="http://schemas.openxmlformats.org/drawingml/2006/main" xmlns:r="http://schemas.openxmlformats.org/officeDocument/2006/relationships" xmlns:p="http://schemas.openxmlformats.org/presentationml/2006/main">
+  <p:cSld>
+    <p:spTree>
+      <p:nvGrpSpPr>
+        <p:cNvPr id="1" name=""/>
+        <p:cNvGrpSpPr/>
+        <p:nvPr/>
+      </p:nvGrpSpPr>
+      <p:grpSpPr>
+        <a:xfrm>
+          <a:off x="0" y="0"/>
+          <a:ext cx="0" cy="0"/>
+          <a:chOff x="0" y="0"/>
+          <a:chExt cx="0" cy="0"/>
+        </a:xfrm>
+      </p:grpSpPr>
+      <p:sp>
+        <p:nvSpPr>
+          <p:cNvPr id="2" name="Slide Image Placeholder 1"/>
+          <p:cNvSpPr>
+            <a:spLocks noGrp="1" noRot="1" noChangeAspect="1"/>
+          </p:cNvSpPr>
+          <p:nvPr>
+            <p:ph type="sldImg"/>
+          </p:nvPr>
+        </p:nvSpPr>
+        <p:spPr/>
+      </p:sp>
+      <p:sp>
+        <p:nvSpPr>
+          <p:cNvPr id="3" name="Notes Placeholder 2"/>
+          <p:cNvSpPr>
+            <a:spLocks noGrp="1"/>
+          </p:cNvSpPr>
+          <p:nvPr>
+            <p:ph type="body" idx="1"/>
+          </p:nvPr>
+        </p:nvSpPr>
+        <p:spPr/>
+        <p:txBody>
+          <a:bodyPr/>
+          <a:lstStyle/>
+          <a:p>
+            <a:pPr marL="171450" indent="-171450">
+              <a:buFontTx/>
+              <a:buChar char="-"/>
+            </a:pPr>
+            <a:r>
+              <a:rPr lang="en-US" dirty="0"/>
+              <a:t>As</a:t>
+            </a:r>
+            <a:r>
+              <a:rPr lang="en-US" baseline="0" dirty="0"/>
+              <a:t> k-</a:t>
+            </a:r>
+            <a:r>
+              <a:rPr lang="en-US" baseline="0" dirty="0" err="1"/>
+              <a:t>mers</a:t>
+            </a:r>
+            <a:r>
+              <a:rPr lang="en-US" baseline="0" dirty="0"/>
+              <a:t> get longer, there are more possible unique combinations.  For k-</a:t>
+            </a:r>
+            <a:r>
+              <a:rPr lang="en-US" baseline="0" dirty="0" err="1"/>
+              <a:t>mers</a:t>
+            </a:r>
+            <a:r>
+              <a:rPr lang="en-US" baseline="0" dirty="0"/>
+              <a:t> representing strings of DNA sequence there are 4^k possible unique k-</a:t>
+            </a:r>
+            <a:r>
+              <a:rPr lang="en-US" baseline="0" dirty="0" err="1"/>
+              <a:t>mers</a:t>
+            </a:r>
+            <a:r>
+              <a:rPr lang="en-US" baseline="0" dirty="0"/>
+              <a:t> where k is the length of the k-mer.</a:t>
+            </a:r>
+          </a:p>
+          <a:p>
+            <a:pPr marL="171450" indent="-171450">
+              <a:buFontTx/>
+              <a:buChar char="-"/>
+            </a:pPr>
+            <a:r>
+              <a:rPr lang="en-US" baseline="0" dirty="0"/>
+              <a:t>Alignment free transcript abundance estimation methods obtain fast performance in part by keeping an index of k-</a:t>
+            </a:r>
+            <a:r>
+              <a:rPr lang="en-US" baseline="0" dirty="0" err="1"/>
+              <a:t>mers</a:t>
+            </a:r>
+            <a:r>
+              <a:rPr lang="en-US" baseline="0" dirty="0"/>
+              <a:t> in memory.  Longer k-</a:t>
+            </a:r>
+            <a:r>
+              <a:rPr lang="en-US" baseline="0" dirty="0" err="1"/>
+              <a:t>mers</a:t>
+            </a:r>
+            <a:r>
+              <a:rPr lang="en-US" baseline="0" dirty="0"/>
+              <a:t> require more memory.</a:t>
+            </a:r>
+          </a:p>
+          <a:p>
+            <a:pPr marL="171450" indent="-171450">
+              <a:buFontTx/>
+              <a:buChar char="-"/>
+            </a:pPr>
+            <a:r>
+              <a:rPr lang="en-US" baseline="0" dirty="0"/>
+              <a:t>K-</a:t>
+            </a:r>
+            <a:r>
+              <a:rPr lang="en-US" baseline="0" dirty="0" err="1"/>
+              <a:t>mer</a:t>
+            </a:r>
+            <a:r>
+              <a:rPr lang="en-US" baseline="0" dirty="0"/>
+              <a:t> length must be shorter than read and transcript lengths to be useful</a:t>
+            </a:r>
+          </a:p>
+          <a:p>
+            <a:pPr marL="171450" indent="-171450">
+              <a:buFontTx/>
+              <a:buChar char="-"/>
+            </a:pPr>
+            <a:r>
+              <a:rPr lang="en-US" baseline="0" dirty="0"/>
+              <a:t>Default k-</a:t>
+            </a:r>
+            <a:r>
+              <a:rPr lang="en-US" baseline="0" dirty="0" err="1"/>
+              <a:t>mer</a:t>
+            </a:r>
+            <a:r>
+              <a:rPr lang="en-US" baseline="0" dirty="0"/>
+              <a:t> length for </a:t>
+            </a:r>
+            <a:r>
+              <a:rPr lang="en-US" baseline="0" dirty="0" err="1"/>
+              <a:t>Kallisto</a:t>
+            </a:r>
+            <a:r>
+              <a:rPr lang="en-US" baseline="0" dirty="0"/>
+              <a:t> is 31</a:t>
+            </a:r>
+          </a:p>
+          <a:p>
+            <a:pPr marL="171450" indent="-171450">
+              <a:buFontTx/>
+              <a:buChar char="-"/>
+            </a:pPr>
+            <a:endParaRPr lang="en-US" dirty="0"/>
+          </a:p>
+        </p:txBody>
+      </p:sp>
+      <p:sp>
+        <p:nvSpPr>
+          <p:cNvPr id="4" name="Slide Number Placeholder 3"/>
+          <p:cNvSpPr>
+            <a:spLocks noGrp="1"/>
+          </p:cNvSpPr>
+          <p:nvPr>
+            <p:ph type="sldNum" sz="quarter" idx="10"/>
+          </p:nvPr>
+        </p:nvSpPr>
+        <p:spPr/>
+        <p:txBody>
+          <a:bodyPr/>
+          <a:lstStyle/>
+          <a:p>
+            <a:pPr>
+              <a:defRPr/>
+            </a:pPr>
+            <a:fld id="{F3969550-FBCF-404B-9FAA-7B1DCDF2C4FF}" type="slidenum">
+              <a:rPr lang="en-US" smtClean="0"/>
+              <a:pPr>
+                <a:defRPr/>
+              </a:pPr>
+              <a:t>2</a:t>
+            </a:fld>
+            <a:endParaRPr lang="en-US"/>
+          </a:p>
+        </p:txBody>
+      </p:sp>
+    </p:spTree>
+    <p:extLst>
+      <p:ext uri="{BB962C8B-B14F-4D97-AF65-F5344CB8AC3E}">
+        <p14:creationId xmlns:p14="http://schemas.microsoft.com/office/powerpoint/2010/main" val="2131772572"/>
+      </p:ext>
+    </p:extLst>
+  </p:cSld>
+  <p:clrMapOvr>
+    <a:masterClrMapping/>
+  </p:clrMapOvr>
+</p:notes>
+</file>
+
 <file path=ppt/slideLayouts/slideLayout1.xml><?xml version="1.0" encoding="utf-8"?>
 <p:sldLayout xmlns:a="http://schemas.openxmlformats.org/drawingml/2006/main" xmlns:r="http://schemas.openxmlformats.org/officeDocument/2006/relationships" xmlns:p="http://schemas.openxmlformats.org/presentationml/2006/main" type="title" preserve="1">
   <p:cSld name="Title Slide">
@@ -718,14 +926,14 @@
           </a:ln>
           <a:extLst>
             <a:ext uri="{909E8E84-426E-40dd-AFC4-6F175D3DCCD1}">
-              <a14:hiddenFill xmlns="" xmlns:a14="http://schemas.microsoft.com/office/drawing/2010/main">
+              <a14:hiddenFill xmlns:a14="http://schemas.microsoft.com/office/drawing/2010/main" xmlns="">
                 <a:solidFill>
                   <a:srgbClr val="FFFFFF"/>
                 </a:solidFill>
               </a14:hiddenFill>
             </a:ext>
             <a:ext uri="{91240B29-F687-4f45-9708-019B960494DF}">
-              <a14:hiddenLine xmlns="" xmlns:a14="http://schemas.microsoft.com/office/drawing/2010/main" w="9525">
+              <a14:hiddenLine xmlns:a14="http://schemas.microsoft.com/office/drawing/2010/main" xmlns="" w="9525">
                 <a:solidFill>
                   <a:srgbClr val="000000"/>
                 </a:solidFill>
@@ -3481,14 +3689,14 @@
           </a:ln>
           <a:extLst>
             <a:ext uri="{909E8E84-426E-40dd-AFC4-6F175D3DCCD1}">
-              <a14:hiddenFill xmlns="" xmlns:a14="http://schemas.microsoft.com/office/drawing/2010/main">
+              <a14:hiddenFill xmlns:a14="http://schemas.microsoft.com/office/drawing/2010/main" xmlns="">
                 <a:solidFill>
                   <a:srgbClr val="FFFFFF"/>
                 </a:solidFill>
               </a14:hiddenFill>
             </a:ext>
             <a:ext uri="{91240B29-F687-4f45-9708-019B960494DF}">
-              <a14:hiddenLine xmlns="" xmlns:a14="http://schemas.microsoft.com/office/drawing/2010/main" w="9525">
+              <a14:hiddenLine xmlns:a14="http://schemas.microsoft.com/office/drawing/2010/main" xmlns="" w="9525">
                 <a:solidFill>
                   <a:srgbClr val="000000"/>
                 </a:solidFill>
@@ -4395,14 +4603,14 @@
           </a:ln>
           <a:extLst>
             <a:ext uri="{909E8E84-426E-40dd-AFC4-6F175D3DCCD1}">
-              <a14:hiddenFill xmlns="" xmlns:a14="http://schemas.microsoft.com/office/drawing/2010/main">
+              <a14:hiddenFill xmlns:a14="http://schemas.microsoft.com/office/drawing/2010/main" xmlns="">
                 <a:solidFill>
                   <a:srgbClr val="FFFFFF"/>
                 </a:solidFill>
               </a14:hiddenFill>
             </a:ext>
             <a:ext uri="{91240B29-F687-4f45-9708-019B960494DF}">
-              <a14:hiddenLine xmlns="" xmlns:a14="http://schemas.microsoft.com/office/drawing/2010/main" w="9525">
+              <a14:hiddenLine xmlns:a14="http://schemas.microsoft.com/office/drawing/2010/main" xmlns="" w="9525">
                 <a:solidFill>
                   <a:srgbClr val="000000"/>
                 </a:solidFill>
@@ -4418,6 +4626,1321 @@
     <p:extLst>
       <p:ext uri="{BB962C8B-B14F-4D97-AF65-F5344CB8AC3E}">
         <p14:creationId xmlns:p14="http://schemas.microsoft.com/office/powerpoint/2010/main" val="1702947648"/>
+      </p:ext>
+    </p:extLst>
+  </p:cSld>
+  <p:clrMapOvr>
+    <a:masterClrMapping/>
+  </p:clrMapOvr>
+</p:sld>
+</file>
+
+<file path=ppt/slides/slide2.xml><?xml version="1.0" encoding="utf-8"?>
+<p:sld xmlns:a="http://schemas.openxmlformats.org/drawingml/2006/main" xmlns:r="http://schemas.openxmlformats.org/officeDocument/2006/relationships" xmlns:p="http://schemas.openxmlformats.org/presentationml/2006/main">
+  <p:cSld>
+    <p:spTree>
+      <p:nvGrpSpPr>
+        <p:cNvPr id="1" name=""/>
+        <p:cNvGrpSpPr/>
+        <p:nvPr/>
+      </p:nvGrpSpPr>
+      <p:grpSpPr>
+        <a:xfrm>
+          <a:off x="0" y="0"/>
+          <a:ext cx="0" cy="0"/>
+          <a:chOff x="0" y="0"/>
+          <a:chExt cx="0" cy="0"/>
+        </a:xfrm>
+      </p:grpSpPr>
+      <p:sp>
+        <p:nvSpPr>
+          <p:cNvPr id="2" name="Title 1"/>
+          <p:cNvSpPr>
+            <a:spLocks noGrp="1"/>
+          </p:cNvSpPr>
+          <p:nvPr>
+            <p:ph type="title"/>
+          </p:nvPr>
+        </p:nvSpPr>
+        <p:spPr>
+          <a:xfrm>
+            <a:off x="1676400" y="44624"/>
+            <a:ext cx="8839200" cy="1007888"/>
+          </a:xfrm>
+        </p:spPr>
+        <p:txBody>
+          <a:bodyPr/>
+          <a:lstStyle/>
+          <a:p>
+            <a:pPr algn="ctr"/>
+            <a:r>
+              <a:rPr lang="en-US" b="1" dirty="0">
+                <a:latin typeface="Calibri" panose="020F0502020204030204" pitchFamily="34" charset="0"/>
+                <a:cs typeface="Calibri" panose="020F0502020204030204" pitchFamily="34" charset="0"/>
+              </a:rPr>
+              <a:t>What is a k-</a:t>
+            </a:r>
+            <a:r>
+              <a:rPr lang="en-US" b="1" dirty="0" err="1">
+                <a:latin typeface="Calibri" panose="020F0502020204030204" pitchFamily="34" charset="0"/>
+                <a:cs typeface="Calibri" panose="020F0502020204030204" pitchFamily="34" charset="0"/>
+              </a:rPr>
+              <a:t>mer</a:t>
+            </a:r>
+            <a:r>
+              <a:rPr lang="en-US" b="1" dirty="0">
+                <a:latin typeface="Calibri" panose="020F0502020204030204" pitchFamily="34" charset="0"/>
+                <a:cs typeface="Calibri" panose="020F0502020204030204" pitchFamily="34" charset="0"/>
+              </a:rPr>
+              <a:t>?</a:t>
+            </a:r>
+          </a:p>
+        </p:txBody>
+      </p:sp>
+      <p:pic>
+        <p:nvPicPr>
+          <p:cNvPr id="5" name="Content Placeholder 4" descr="k-mers.png"/>
+          <p:cNvPicPr>
+            <a:picLocks noGrp="1" noChangeAspect="1"/>
+          </p:cNvPicPr>
+          <p:nvPr>
+            <p:ph idx="1"/>
+          </p:nvPr>
+        </p:nvPicPr>
+        <p:blipFill>
+          <a:blip r:embed="rId3" cstate="print">
+            <a:extLst>
+              <a:ext uri="{28A0092B-C50C-407E-A947-70E740481C1C}">
+                <a14:useLocalDpi xmlns:a14="http://schemas.microsoft.com/office/drawing/2010/main" val="0"/>
+              </a:ext>
+            </a:extLst>
+          </a:blip>
+          <a:srcRect l="-1713" r="-1713"/>
+          <a:stretch>
+            <a:fillRect/>
+          </a:stretch>
+        </p:blipFill>
+        <p:spPr>
+          <a:xfrm>
+            <a:off x="1676400" y="1154240"/>
+            <a:ext cx="8839200" cy="4724400"/>
+          </a:xfrm>
+        </p:spPr>
+      </p:pic>
+      <p:sp>
+        <p:nvSpPr>
+          <p:cNvPr id="4" name="TextBox 3"/>
+          <p:cNvSpPr txBox="1"/>
+          <p:nvPr/>
+        </p:nvSpPr>
+        <p:spPr>
+          <a:xfrm>
+            <a:off x="1750674" y="5962616"/>
+            <a:ext cx="8621719" cy="369332"/>
+          </a:xfrm>
+          <a:prstGeom prst="rect">
+            <a:avLst/>
+          </a:prstGeom>
+          <a:noFill/>
+        </p:spPr>
+        <p:txBody>
+          <a:bodyPr wrap="none" rtlCol="0">
+            <a:spAutoFit/>
+          </a:bodyPr>
+          <a:lstStyle/>
+          <a:p>
+            <a:r>
+              <a:rPr lang="en-US" dirty="0">
+                <a:hlinkClick r:id="rId4"/>
+              </a:rPr>
+              <a:t>https://www.slideshare.net/duruofei/cmsc702-project-final-presentation</a:t>
+            </a:r>
+            <a:endParaRPr lang="en-US" dirty="0"/>
+          </a:p>
+        </p:txBody>
+      </p:sp>
+    </p:spTree>
+    <p:extLst>
+      <p:ext uri="{BB962C8B-B14F-4D97-AF65-F5344CB8AC3E}">
+        <p14:creationId xmlns:p14="http://schemas.microsoft.com/office/powerpoint/2010/main" val="3470980898"/>
+      </p:ext>
+    </p:extLst>
+  </p:cSld>
+  <p:clrMapOvr>
+    <a:masterClrMapping/>
+  </p:clrMapOvr>
+</p:sld>
+</file>
+
+<file path=ppt/slides/slide3.xml><?xml version="1.0" encoding="utf-8"?>
+<p:sld xmlns:a="http://schemas.openxmlformats.org/drawingml/2006/main" xmlns:r="http://schemas.openxmlformats.org/officeDocument/2006/relationships" xmlns:p="http://schemas.openxmlformats.org/presentationml/2006/main">
+  <p:cSld>
+    <p:spTree>
+      <p:nvGrpSpPr>
+        <p:cNvPr id="1" name=""/>
+        <p:cNvGrpSpPr/>
+        <p:nvPr/>
+      </p:nvGrpSpPr>
+      <p:grpSpPr>
+        <a:xfrm>
+          <a:off x="0" y="0"/>
+          <a:ext cx="0" cy="0"/>
+          <a:chOff x="0" y="0"/>
+          <a:chExt cx="0" cy="0"/>
+        </a:xfrm>
+      </p:grpSpPr>
+      <p:sp>
+        <p:nvSpPr>
+          <p:cNvPr id="3" name="Content Placeholder 2"/>
+          <p:cNvSpPr>
+            <a:spLocks noGrp="1"/>
+          </p:cNvSpPr>
+          <p:nvPr>
+            <p:ph idx="1"/>
+          </p:nvPr>
+        </p:nvSpPr>
+        <p:spPr>
+          <a:xfrm>
+            <a:off x="646176" y="1377696"/>
+            <a:ext cx="10707624" cy="4799267"/>
+          </a:xfrm>
+        </p:spPr>
+        <p:txBody>
+          <a:bodyPr>
+            <a:normAutofit/>
+          </a:bodyPr>
+          <a:lstStyle/>
+          <a:p>
+            <a:pPr marL="514350" indent="-514350">
+              <a:buFont typeface="+mj-lt"/>
+              <a:buAutoNum type="arabicPeriod"/>
+            </a:pPr>
+            <a:r>
+              <a:rPr lang="en-US" dirty="0">
+                <a:latin typeface="Calibri" panose="020F0502020204030204" pitchFamily="34" charset="0"/>
+                <a:cs typeface="Calibri" panose="020F0502020204030204" pitchFamily="34" charset="0"/>
+              </a:rPr>
+              <a:t>Obtain reference transcript sequences </a:t>
+            </a:r>
+          </a:p>
+          <a:p>
+            <a:pPr marL="457200" lvl="1" indent="0">
+              <a:buNone/>
+            </a:pPr>
+            <a:r>
+              <a:rPr lang="en-US" dirty="0">
+                <a:latin typeface="Calibri" panose="020F0502020204030204" pitchFamily="34" charset="0"/>
+                <a:cs typeface="Calibri" panose="020F0502020204030204" pitchFamily="34" charset="0"/>
+              </a:rPr>
+              <a:t>- e.g. Ensembl, </a:t>
+            </a:r>
+            <a:r>
+              <a:rPr lang="en-US" dirty="0" err="1">
+                <a:latin typeface="Calibri" panose="020F0502020204030204" pitchFamily="34" charset="0"/>
+                <a:cs typeface="Calibri" panose="020F0502020204030204" pitchFamily="34" charset="0"/>
+              </a:rPr>
+              <a:t>Refseq</a:t>
+            </a:r>
+            <a:r>
+              <a:rPr lang="en-US" dirty="0">
+                <a:latin typeface="Calibri" panose="020F0502020204030204" pitchFamily="34" charset="0"/>
+                <a:cs typeface="Calibri" panose="020F0502020204030204" pitchFamily="34" charset="0"/>
+              </a:rPr>
+              <a:t>, or GENCODE)</a:t>
+            </a:r>
+            <a:br>
+              <a:rPr lang="en-US" dirty="0">
+                <a:latin typeface="Calibri" panose="020F0502020204030204" pitchFamily="34" charset="0"/>
+                <a:cs typeface="Calibri" panose="020F0502020204030204" pitchFamily="34" charset="0"/>
+              </a:rPr>
+            </a:br>
+            <a:endParaRPr lang="en-US" dirty="0">
+              <a:latin typeface="Calibri" panose="020F0502020204030204" pitchFamily="34" charset="0"/>
+              <a:cs typeface="Calibri" panose="020F0502020204030204" pitchFamily="34" charset="0"/>
+            </a:endParaRPr>
+          </a:p>
+          <a:p>
+            <a:pPr marL="514350" indent="-514350">
+              <a:buFont typeface="+mj-lt"/>
+              <a:buAutoNum type="arabicPeriod"/>
+            </a:pPr>
+            <a:r>
+              <a:rPr lang="en-US" dirty="0">
+                <a:latin typeface="Calibri" panose="020F0502020204030204" pitchFamily="34" charset="0"/>
+                <a:cs typeface="Calibri" panose="020F0502020204030204" pitchFamily="34" charset="0"/>
+              </a:rPr>
+              <a:t>Build a </a:t>
+            </a:r>
+            <a:r>
+              <a:rPr lang="en-US" b="1" dirty="0">
+                <a:latin typeface="Calibri" panose="020F0502020204030204" pitchFamily="34" charset="0"/>
+                <a:cs typeface="Calibri" panose="020F0502020204030204" pitchFamily="34" charset="0"/>
+              </a:rPr>
+              <a:t>k-</a:t>
+            </a:r>
+            <a:r>
+              <a:rPr lang="en-US" b="1" dirty="0" err="1">
+                <a:latin typeface="Calibri" panose="020F0502020204030204" pitchFamily="34" charset="0"/>
+                <a:cs typeface="Calibri" panose="020F0502020204030204" pitchFamily="34" charset="0"/>
+              </a:rPr>
+              <a:t>mer</a:t>
+            </a:r>
+            <a:r>
+              <a:rPr lang="en-US" b="1" dirty="0">
+                <a:latin typeface="Calibri" panose="020F0502020204030204" pitchFamily="34" charset="0"/>
+                <a:cs typeface="Calibri" panose="020F0502020204030204" pitchFamily="34" charset="0"/>
+              </a:rPr>
+              <a:t> index</a:t>
+            </a:r>
+            <a:r>
+              <a:rPr lang="en-US" dirty="0">
+                <a:latin typeface="Calibri" panose="020F0502020204030204" pitchFamily="34" charset="0"/>
+                <a:cs typeface="Calibri" panose="020F0502020204030204" pitchFamily="34" charset="0"/>
+              </a:rPr>
+              <a:t> of all of the k-</a:t>
+            </a:r>
+            <a:r>
+              <a:rPr lang="en-US" dirty="0" err="1">
+                <a:latin typeface="Calibri" panose="020F0502020204030204" pitchFamily="34" charset="0"/>
+                <a:cs typeface="Calibri" panose="020F0502020204030204" pitchFamily="34" charset="0"/>
+              </a:rPr>
+              <a:t>mers</a:t>
+            </a:r>
+            <a:r>
+              <a:rPr lang="en-US" dirty="0">
+                <a:latin typeface="Calibri" panose="020F0502020204030204" pitchFamily="34" charset="0"/>
+                <a:cs typeface="Calibri" panose="020F0502020204030204" pitchFamily="34" charset="0"/>
+              </a:rPr>
+              <a:t> in each transcript sequence</a:t>
+            </a:r>
+          </a:p>
+          <a:p>
+            <a:pPr marL="400050" lvl="1" indent="0">
+              <a:buNone/>
+            </a:pPr>
+            <a:r>
+              <a:rPr lang="en-US" dirty="0">
+                <a:latin typeface="Calibri" panose="020F0502020204030204" pitchFamily="34" charset="0"/>
+                <a:cs typeface="Calibri" panose="020F0502020204030204" pitchFamily="34" charset="0"/>
+              </a:rPr>
+              <a:t> - Store each k-</a:t>
+            </a:r>
+            <a:r>
+              <a:rPr lang="en-US" dirty="0" err="1">
+                <a:latin typeface="Calibri" panose="020F0502020204030204" pitchFamily="34" charset="0"/>
+                <a:cs typeface="Calibri" panose="020F0502020204030204" pitchFamily="34" charset="0"/>
+              </a:rPr>
+              <a:t>mer</a:t>
+            </a:r>
+            <a:r>
+              <a:rPr lang="en-US" dirty="0">
+                <a:latin typeface="Calibri" panose="020F0502020204030204" pitchFamily="34" charset="0"/>
+                <a:cs typeface="Calibri" panose="020F0502020204030204" pitchFamily="34" charset="0"/>
+              </a:rPr>
+              <a:t> and its position within the transcript. “hashing”</a:t>
+            </a:r>
+          </a:p>
+        </p:txBody>
+      </p:sp>
+      <p:sp>
+        <p:nvSpPr>
+          <p:cNvPr id="6" name="Title 1">
+            <a:extLst>
+              <a:ext uri="{FF2B5EF4-FFF2-40B4-BE49-F238E27FC236}">
+                <a16:creationId xmlns:a16="http://schemas.microsoft.com/office/drawing/2014/main" id="{D5BDC00A-603C-E642-94AA-9453F4C9863B}"/>
+              </a:ext>
+            </a:extLst>
+          </p:cNvPr>
+          <p:cNvSpPr>
+            <a:spLocks noGrp="1"/>
+          </p:cNvSpPr>
+          <p:nvPr>
+            <p:ph type="title"/>
+          </p:nvPr>
+        </p:nvSpPr>
+        <p:spPr>
+          <a:xfrm>
+            <a:off x="384747" y="109537"/>
+            <a:ext cx="11422505" cy="571500"/>
+          </a:xfrm>
+        </p:spPr>
+        <p:txBody>
+          <a:bodyPr>
+            <a:normAutofit fontScale="90000"/>
+          </a:bodyPr>
+          <a:lstStyle/>
+          <a:p>
+            <a:pPr algn="ctr"/>
+            <a:r>
+              <a:rPr lang="en-US" b="1" dirty="0">
+                <a:latin typeface="Calibri" panose="020F0502020204030204" pitchFamily="34" charset="0"/>
+                <a:cs typeface="Calibri" panose="020F0502020204030204" pitchFamily="34" charset="0"/>
+              </a:rPr>
+              <a:t>Alignment free approaches for transcript abundance</a:t>
+            </a:r>
+          </a:p>
+        </p:txBody>
+      </p:sp>
+    </p:spTree>
+    <p:extLst>
+      <p:ext uri="{BB962C8B-B14F-4D97-AF65-F5344CB8AC3E}">
+        <p14:creationId xmlns:p14="http://schemas.microsoft.com/office/powerpoint/2010/main" val="1009864990"/>
+      </p:ext>
+    </p:extLst>
+  </p:cSld>
+  <p:clrMapOvr>
+    <a:masterClrMapping/>
+  </p:clrMapOvr>
+</p:sld>
+</file>
+
+<file path=ppt/slides/slide4.xml><?xml version="1.0" encoding="utf-8"?>
+<p:sld xmlns:a="http://schemas.openxmlformats.org/drawingml/2006/main" xmlns:r="http://schemas.openxmlformats.org/officeDocument/2006/relationships" xmlns:p="http://schemas.openxmlformats.org/presentationml/2006/main">
+  <p:cSld>
+    <p:spTree>
+      <p:nvGrpSpPr>
+        <p:cNvPr id="1" name=""/>
+        <p:cNvGrpSpPr/>
+        <p:nvPr/>
+      </p:nvGrpSpPr>
+      <p:grpSpPr>
+        <a:xfrm>
+          <a:off x="0" y="0"/>
+          <a:ext cx="0" cy="0"/>
+          <a:chOff x="0" y="0"/>
+          <a:chExt cx="0" cy="0"/>
+        </a:xfrm>
+      </p:grpSpPr>
+      <p:sp>
+        <p:nvSpPr>
+          <p:cNvPr id="2" name="Title 1"/>
+          <p:cNvSpPr>
+            <a:spLocks noGrp="1"/>
+          </p:cNvSpPr>
+          <p:nvPr>
+            <p:ph type="title"/>
+          </p:nvPr>
+        </p:nvSpPr>
+        <p:spPr>
+          <a:xfrm>
+            <a:off x="384747" y="109537"/>
+            <a:ext cx="11422505" cy="571500"/>
+          </a:xfrm>
+        </p:spPr>
+        <p:txBody>
+          <a:bodyPr>
+            <a:normAutofit fontScale="90000"/>
+          </a:bodyPr>
+          <a:lstStyle/>
+          <a:p>
+            <a:pPr algn="ctr"/>
+            <a:r>
+              <a:rPr lang="en-US" b="1" dirty="0">
+                <a:latin typeface="Calibri" panose="020F0502020204030204" pitchFamily="34" charset="0"/>
+                <a:cs typeface="Calibri" panose="020F0502020204030204" pitchFamily="34" charset="0"/>
+              </a:rPr>
+              <a:t>Alignment free approaches for transcript abundance</a:t>
+            </a:r>
+          </a:p>
+        </p:txBody>
+      </p:sp>
+      <p:sp>
+        <p:nvSpPr>
+          <p:cNvPr id="3" name="Content Placeholder 2"/>
+          <p:cNvSpPr>
+            <a:spLocks noGrp="1"/>
+          </p:cNvSpPr>
+          <p:nvPr>
+            <p:ph idx="1"/>
+          </p:nvPr>
+        </p:nvSpPr>
+        <p:spPr>
+          <a:xfrm>
+            <a:off x="646176" y="890016"/>
+            <a:ext cx="10707624" cy="5620512"/>
+          </a:xfrm>
+        </p:spPr>
+        <p:txBody>
+          <a:bodyPr>
+            <a:normAutofit fontScale="92500" lnSpcReduction="10000"/>
+          </a:bodyPr>
+          <a:lstStyle/>
+          <a:p>
+            <a:pPr marL="0" indent="0">
+              <a:buNone/>
+            </a:pPr>
+            <a:r>
+              <a:rPr lang="en-US" dirty="0">
+                <a:latin typeface="Calibri" panose="020F0502020204030204" pitchFamily="34" charset="0"/>
+                <a:cs typeface="Calibri" panose="020F0502020204030204" pitchFamily="34" charset="0"/>
+              </a:rPr>
+              <a:t>3. Count number of times each k-</a:t>
+            </a:r>
+            <a:r>
+              <a:rPr lang="en-US" dirty="0" err="1">
+                <a:latin typeface="Calibri" panose="020F0502020204030204" pitchFamily="34" charset="0"/>
+                <a:cs typeface="Calibri" panose="020F0502020204030204" pitchFamily="34" charset="0"/>
+              </a:rPr>
+              <a:t>mer</a:t>
+            </a:r>
+            <a:r>
+              <a:rPr lang="en-US" dirty="0">
+                <a:latin typeface="Calibri" panose="020F0502020204030204" pitchFamily="34" charset="0"/>
+                <a:cs typeface="Calibri" panose="020F0502020204030204" pitchFamily="34" charset="0"/>
+              </a:rPr>
+              <a:t> occurs within each </a:t>
+            </a:r>
+            <a:r>
+              <a:rPr lang="en-US" dirty="0" err="1">
+                <a:latin typeface="Calibri" panose="020F0502020204030204" pitchFamily="34" charset="0"/>
+                <a:cs typeface="Calibri" panose="020F0502020204030204" pitchFamily="34" charset="0"/>
+              </a:rPr>
+              <a:t>RNAseq</a:t>
+            </a:r>
+            <a:r>
+              <a:rPr lang="en-US" dirty="0">
+                <a:latin typeface="Calibri" panose="020F0502020204030204" pitchFamily="34" charset="0"/>
+                <a:cs typeface="Calibri" panose="020F0502020204030204" pitchFamily="34" charset="0"/>
+              </a:rPr>
+              <a:t> read</a:t>
+            </a:r>
+          </a:p>
+          <a:p>
+            <a:pPr marL="914400" lvl="1" indent="-514350"/>
+            <a:r>
+              <a:rPr lang="en-US" dirty="0">
+                <a:latin typeface="Calibri" panose="020F0502020204030204" pitchFamily="34" charset="0"/>
+                <a:cs typeface="Calibri" panose="020F0502020204030204" pitchFamily="34" charset="0"/>
+              </a:rPr>
+              <a:t>Model relationship between RNA-seq read k-</a:t>
+            </a:r>
+            <a:r>
+              <a:rPr lang="en-US" dirty="0" err="1">
+                <a:latin typeface="Calibri" panose="020F0502020204030204" pitchFamily="34" charset="0"/>
+                <a:cs typeface="Calibri" panose="020F0502020204030204" pitchFamily="34" charset="0"/>
+              </a:rPr>
+              <a:t>mers</a:t>
+            </a:r>
+            <a:r>
+              <a:rPr lang="en-US" dirty="0">
+                <a:latin typeface="Calibri" panose="020F0502020204030204" pitchFamily="34" charset="0"/>
+                <a:cs typeface="Calibri" panose="020F0502020204030204" pitchFamily="34" charset="0"/>
+              </a:rPr>
+              <a:t> and the transcript k-</a:t>
+            </a:r>
+            <a:r>
+              <a:rPr lang="en-US" dirty="0" err="1">
+                <a:latin typeface="Calibri" panose="020F0502020204030204" pitchFamily="34" charset="0"/>
+                <a:cs typeface="Calibri" panose="020F0502020204030204" pitchFamily="34" charset="0"/>
+              </a:rPr>
+              <a:t>mer</a:t>
+            </a:r>
+            <a:r>
+              <a:rPr lang="en-US" dirty="0">
+                <a:latin typeface="Calibri" panose="020F0502020204030204" pitchFamily="34" charset="0"/>
+                <a:cs typeface="Calibri" panose="020F0502020204030204" pitchFamily="34" charset="0"/>
+              </a:rPr>
+              <a:t> index. </a:t>
+            </a:r>
+          </a:p>
+          <a:p>
+            <a:pPr marL="914400" lvl="1" indent="-514350"/>
+            <a:r>
+              <a:rPr lang="en-US" dirty="0">
+                <a:latin typeface="Calibri" panose="020F0502020204030204" pitchFamily="34" charset="0"/>
+                <a:cs typeface="Calibri" panose="020F0502020204030204" pitchFamily="34" charset="0"/>
+              </a:rPr>
+              <a:t>What transcript is the most likely source for each read?</a:t>
+            </a:r>
+          </a:p>
+          <a:p>
+            <a:pPr marL="914400" lvl="1" indent="-514350"/>
+            <a:r>
+              <a:rPr lang="en-US" dirty="0">
+                <a:latin typeface="Calibri" panose="020F0502020204030204" pitchFamily="34" charset="0"/>
+                <a:cs typeface="Calibri" panose="020F0502020204030204" pitchFamily="34" charset="0"/>
+              </a:rPr>
+              <a:t>Called “pseudoalignment” , “quasi-mapping”, etc.</a:t>
+            </a:r>
+            <a:br>
+              <a:rPr lang="en-US" dirty="0">
+                <a:latin typeface="Calibri" panose="020F0502020204030204" pitchFamily="34" charset="0"/>
+                <a:cs typeface="Calibri" panose="020F0502020204030204" pitchFamily="34" charset="0"/>
+              </a:rPr>
+            </a:br>
+            <a:br>
+              <a:rPr lang="en-US" dirty="0">
+                <a:latin typeface="Calibri" panose="020F0502020204030204" pitchFamily="34" charset="0"/>
+                <a:cs typeface="Calibri" panose="020F0502020204030204" pitchFamily="34" charset="0"/>
+              </a:rPr>
+            </a:br>
+            <a:br>
+              <a:rPr lang="en-US" dirty="0">
+                <a:latin typeface="Calibri" panose="020F0502020204030204" pitchFamily="34" charset="0"/>
+                <a:cs typeface="Calibri" panose="020F0502020204030204" pitchFamily="34" charset="0"/>
+              </a:rPr>
+            </a:br>
+            <a:br>
+              <a:rPr lang="en-US" dirty="0">
+                <a:latin typeface="Calibri" panose="020F0502020204030204" pitchFamily="34" charset="0"/>
+                <a:cs typeface="Calibri" panose="020F0502020204030204" pitchFamily="34" charset="0"/>
+              </a:rPr>
+            </a:br>
+            <a:br>
+              <a:rPr lang="en-US" dirty="0">
+                <a:latin typeface="Calibri" panose="020F0502020204030204" pitchFamily="34" charset="0"/>
+                <a:cs typeface="Calibri" panose="020F0502020204030204" pitchFamily="34" charset="0"/>
+              </a:rPr>
+            </a:br>
+            <a:endParaRPr lang="en-US" dirty="0">
+              <a:latin typeface="Calibri" panose="020F0502020204030204" pitchFamily="34" charset="0"/>
+              <a:cs typeface="Calibri" panose="020F0502020204030204" pitchFamily="34" charset="0"/>
+            </a:endParaRPr>
+          </a:p>
+          <a:p>
+            <a:pPr marL="914400" lvl="1" indent="-514350"/>
+            <a:endParaRPr lang="en-US" dirty="0">
+              <a:latin typeface="Calibri" panose="020F0502020204030204" pitchFamily="34" charset="0"/>
+              <a:cs typeface="Calibri" panose="020F0502020204030204" pitchFamily="34" charset="0"/>
+            </a:endParaRPr>
+          </a:p>
+          <a:p>
+            <a:pPr marL="914400" lvl="1" indent="-514350"/>
+            <a:endParaRPr lang="en-US" dirty="0">
+              <a:latin typeface="Calibri" panose="020F0502020204030204" pitchFamily="34" charset="0"/>
+              <a:cs typeface="Calibri" panose="020F0502020204030204" pitchFamily="34" charset="0"/>
+            </a:endParaRPr>
+          </a:p>
+          <a:p>
+            <a:pPr marL="400050" lvl="1" indent="0">
+              <a:buNone/>
+            </a:pPr>
+            <a:br>
+              <a:rPr lang="en-US" dirty="0">
+                <a:latin typeface="Calibri" panose="020F0502020204030204" pitchFamily="34" charset="0"/>
+                <a:cs typeface="Calibri" panose="020F0502020204030204" pitchFamily="34" charset="0"/>
+              </a:rPr>
+            </a:br>
+            <a:br>
+              <a:rPr lang="en-US" dirty="0">
+                <a:latin typeface="Calibri" panose="020F0502020204030204" pitchFamily="34" charset="0"/>
+                <a:cs typeface="Calibri" panose="020F0502020204030204" pitchFamily="34" charset="0"/>
+              </a:rPr>
+            </a:br>
+            <a:endParaRPr lang="en-US" dirty="0">
+              <a:latin typeface="Calibri" panose="020F0502020204030204" pitchFamily="34" charset="0"/>
+              <a:cs typeface="Calibri" panose="020F0502020204030204" pitchFamily="34" charset="0"/>
+            </a:endParaRPr>
+          </a:p>
+          <a:p>
+            <a:pPr marL="0" indent="0">
+              <a:buNone/>
+            </a:pPr>
+            <a:r>
+              <a:rPr lang="en-US" dirty="0">
+                <a:latin typeface="Calibri" panose="020F0502020204030204" pitchFamily="34" charset="0"/>
+                <a:cs typeface="Calibri" panose="020F0502020204030204" pitchFamily="34" charset="0"/>
+              </a:rPr>
+              <a:t>4. Handle sequencing errors, isoforms, ambiguity, and determine abundance estimates</a:t>
+            </a:r>
+          </a:p>
+          <a:p>
+            <a:pPr marL="914400" lvl="1" indent="-514350"/>
+            <a:r>
+              <a:rPr lang="en-US" dirty="0">
+                <a:latin typeface="Calibri" panose="020F0502020204030204" pitchFamily="34" charset="0"/>
+                <a:cs typeface="Calibri" panose="020F0502020204030204" pitchFamily="34" charset="0"/>
+              </a:rPr>
+              <a:t>Transcriptome de </a:t>
+            </a:r>
+            <a:r>
+              <a:rPr lang="en-US" dirty="0" err="1">
+                <a:latin typeface="Calibri" panose="020F0502020204030204" pitchFamily="34" charset="0"/>
+                <a:cs typeface="Calibri" panose="020F0502020204030204" pitchFamily="34" charset="0"/>
+              </a:rPr>
+              <a:t>Bruijn</a:t>
+            </a:r>
+            <a:r>
+              <a:rPr lang="en-US" dirty="0">
+                <a:latin typeface="Calibri" panose="020F0502020204030204" pitchFamily="34" charset="0"/>
+                <a:cs typeface="Calibri" panose="020F0502020204030204" pitchFamily="34" charset="0"/>
+              </a:rPr>
+              <a:t> graphs, likelihood function, expectation maximization, etc.</a:t>
+            </a:r>
+          </a:p>
+        </p:txBody>
+      </p:sp>
+      <p:pic>
+        <p:nvPicPr>
+          <p:cNvPr id="4" name="Picture 3">
+            <a:extLst>
+              <a:ext uri="{FF2B5EF4-FFF2-40B4-BE49-F238E27FC236}">
+                <a16:creationId xmlns:a16="http://schemas.microsoft.com/office/drawing/2014/main" id="{89E325D9-AFF8-1347-BECD-D6B76BE5C283}"/>
+              </a:ext>
+            </a:extLst>
+          </p:cNvPr>
+          <p:cNvPicPr>
+            <a:picLocks noChangeAspect="1"/>
+          </p:cNvPicPr>
+          <p:nvPr/>
+        </p:nvPicPr>
+        <p:blipFill>
+          <a:blip r:embed="rId2"/>
+          <a:stretch>
+            <a:fillRect/>
+          </a:stretch>
+        </p:blipFill>
+        <p:spPr>
+          <a:xfrm>
+            <a:off x="1164618" y="2488946"/>
+            <a:ext cx="5975322" cy="2747518"/>
+          </a:xfrm>
+          <a:prstGeom prst="rect">
+            <a:avLst/>
+          </a:prstGeom>
+        </p:spPr>
+      </p:pic>
+      <p:sp>
+        <p:nvSpPr>
+          <p:cNvPr id="5" name="Rectangle 4">
+            <a:extLst>
+              <a:ext uri="{FF2B5EF4-FFF2-40B4-BE49-F238E27FC236}">
+                <a16:creationId xmlns:a16="http://schemas.microsoft.com/office/drawing/2014/main" id="{ADBE1899-CF52-FF4B-A9C8-F1AB1AF299EA}"/>
+              </a:ext>
+            </a:extLst>
+          </p:cNvPr>
+          <p:cNvSpPr/>
+          <p:nvPr/>
+        </p:nvSpPr>
+        <p:spPr>
+          <a:xfrm>
+            <a:off x="7658382" y="3223218"/>
+            <a:ext cx="4374868" cy="954107"/>
+          </a:xfrm>
+          <a:prstGeom prst="rect">
+            <a:avLst/>
+          </a:prstGeom>
+        </p:spPr>
+        <p:txBody>
+          <a:bodyPr wrap="square">
+            <a:spAutoFit/>
+          </a:bodyPr>
+          <a:lstStyle/>
+          <a:p>
+            <a:r>
+              <a:rPr lang="en-US" sz="1400" dirty="0"/>
+              <a:t>Bray, 2016  doi:10.1038/nbt.3519</a:t>
+            </a:r>
+            <a:br>
+              <a:rPr lang="en-US" sz="1400" dirty="0"/>
+            </a:br>
+            <a:br>
+              <a:rPr lang="en-US" sz="1400" dirty="0"/>
+            </a:br>
+            <a:r>
+              <a:rPr lang="en-US" sz="1400" dirty="0"/>
+              <a:t>https://</a:t>
+            </a:r>
+            <a:r>
+              <a:rPr lang="en-US" sz="1400" dirty="0" err="1"/>
+              <a:t>tinyheero.github.io</a:t>
+            </a:r>
+            <a:r>
+              <a:rPr lang="en-US" sz="1400" dirty="0"/>
+              <a:t>/2015/09/02/pseudoalignments-</a:t>
+            </a:r>
+            <a:r>
+              <a:rPr lang="en-US" sz="1400" dirty="0" err="1"/>
+              <a:t>kallisto.html</a:t>
+            </a:r>
+            <a:endParaRPr lang="en-US" sz="1400" dirty="0"/>
+          </a:p>
+        </p:txBody>
+      </p:sp>
+    </p:spTree>
+    <p:extLst>
+      <p:ext uri="{BB962C8B-B14F-4D97-AF65-F5344CB8AC3E}">
+        <p14:creationId xmlns:p14="http://schemas.microsoft.com/office/powerpoint/2010/main" val="4083372626"/>
+      </p:ext>
+    </p:extLst>
+  </p:cSld>
+  <p:clrMapOvr>
+    <a:masterClrMapping/>
+  </p:clrMapOvr>
+</p:sld>
+</file>
+
+<file path=ppt/slides/slide5.xml><?xml version="1.0" encoding="utf-8"?>
+<p:sld xmlns:a="http://schemas.openxmlformats.org/drawingml/2006/main" xmlns:r="http://schemas.openxmlformats.org/officeDocument/2006/relationships" xmlns:p="http://schemas.openxmlformats.org/presentationml/2006/main">
+  <p:cSld>
+    <p:spTree>
+      <p:nvGrpSpPr>
+        <p:cNvPr id="1" name=""/>
+        <p:cNvGrpSpPr/>
+        <p:nvPr/>
+      </p:nvGrpSpPr>
+      <p:grpSpPr>
+        <a:xfrm>
+          <a:off x="0" y="0"/>
+          <a:ext cx="0" cy="0"/>
+          <a:chOff x="0" y="0"/>
+          <a:chExt cx="0" cy="0"/>
+        </a:xfrm>
+      </p:grpSpPr>
+      <p:sp>
+        <p:nvSpPr>
+          <p:cNvPr id="2" name="Title 1"/>
+          <p:cNvSpPr>
+            <a:spLocks noGrp="1"/>
+          </p:cNvSpPr>
+          <p:nvPr>
+            <p:ph type="title"/>
+          </p:nvPr>
+        </p:nvSpPr>
+        <p:spPr>
+          <a:xfrm>
+            <a:off x="1676400" y="44624"/>
+            <a:ext cx="8839200" cy="1143000"/>
+          </a:xfrm>
+        </p:spPr>
+        <p:txBody>
+          <a:bodyPr>
+            <a:normAutofit fontScale="90000"/>
+          </a:bodyPr>
+          <a:lstStyle/>
+          <a:p>
+            <a:pPr algn="ctr"/>
+            <a:r>
+              <a:rPr lang="en-US" b="1" dirty="0">
+                <a:latin typeface="Calibri" panose="020F0502020204030204" pitchFamily="34" charset="0"/>
+                <a:cs typeface="Calibri" panose="020F0502020204030204" pitchFamily="34" charset="0"/>
+              </a:rPr>
+              <a:t>Advantages/disadvantages of alignment free approaches</a:t>
+            </a:r>
+          </a:p>
+        </p:txBody>
+      </p:sp>
+      <p:sp>
+        <p:nvSpPr>
+          <p:cNvPr id="3" name="Content Placeholder 2"/>
+          <p:cNvSpPr>
+            <a:spLocks noGrp="1"/>
+          </p:cNvSpPr>
+          <p:nvPr>
+            <p:ph idx="1"/>
+          </p:nvPr>
+        </p:nvSpPr>
+        <p:spPr>
+          <a:xfrm>
+            <a:off x="838200" y="1292352"/>
+            <a:ext cx="10515600" cy="4884611"/>
+          </a:xfrm>
+        </p:spPr>
+        <p:txBody>
+          <a:bodyPr>
+            <a:normAutofit/>
+          </a:bodyPr>
+          <a:lstStyle/>
+          <a:p>
+            <a:r>
+              <a:rPr lang="en-US" dirty="0">
+                <a:latin typeface="Calibri" panose="020F0502020204030204" pitchFamily="34" charset="0"/>
+                <a:cs typeface="Calibri" panose="020F0502020204030204" pitchFamily="34" charset="0"/>
+              </a:rPr>
+              <a:t>Advantages</a:t>
+            </a:r>
+          </a:p>
+          <a:p>
+            <a:pPr lvl="1"/>
+            <a:r>
+              <a:rPr lang="en-US" dirty="0">
+                <a:latin typeface="Calibri" panose="020F0502020204030204" pitchFamily="34" charset="0"/>
+                <a:cs typeface="Calibri" panose="020F0502020204030204" pitchFamily="34" charset="0"/>
+              </a:rPr>
+              <a:t>Very fast and efficient</a:t>
+            </a:r>
+          </a:p>
+          <a:p>
+            <a:pPr lvl="2"/>
+            <a:r>
+              <a:rPr lang="en-US" dirty="0">
+                <a:latin typeface="Calibri" panose="020F0502020204030204" pitchFamily="34" charset="0"/>
+                <a:cs typeface="Calibri" panose="020F0502020204030204" pitchFamily="34" charset="0"/>
+              </a:rPr>
+              <a:t>Similar accuracy to alignment based approach but with much, much shorter run time.</a:t>
+            </a:r>
+          </a:p>
+          <a:p>
+            <a:pPr lvl="1"/>
+            <a:r>
+              <a:rPr lang="en-US" dirty="0">
+                <a:latin typeface="Calibri" panose="020F0502020204030204" pitchFamily="34" charset="0"/>
+                <a:cs typeface="Calibri" panose="020F0502020204030204" pitchFamily="34" charset="0"/>
+              </a:rPr>
+              <a:t>Do not need a reference genome, only a reference transcriptome</a:t>
+            </a:r>
+          </a:p>
+          <a:p>
+            <a:pPr lvl="1"/>
+            <a:endParaRPr lang="en-US" dirty="0">
+              <a:latin typeface="Calibri" panose="020F0502020204030204" pitchFamily="34" charset="0"/>
+              <a:cs typeface="Calibri" panose="020F0502020204030204" pitchFamily="34" charset="0"/>
+            </a:endParaRPr>
+          </a:p>
+          <a:p>
+            <a:r>
+              <a:rPr lang="en-US" dirty="0">
+                <a:latin typeface="Calibri" panose="020F0502020204030204" pitchFamily="34" charset="0"/>
+                <a:cs typeface="Calibri" panose="020F0502020204030204" pitchFamily="34" charset="0"/>
+              </a:rPr>
+              <a:t>Disadvantages</a:t>
+            </a:r>
+          </a:p>
+          <a:p>
+            <a:pPr lvl="1"/>
+            <a:r>
+              <a:rPr lang="en-US" dirty="0">
+                <a:latin typeface="Calibri" panose="020F0502020204030204" pitchFamily="34" charset="0"/>
+                <a:cs typeface="Calibri" panose="020F0502020204030204" pitchFamily="34" charset="0"/>
+              </a:rPr>
+              <a:t>You don’t get a proper BAM file (though a pseudo-bam can be created)</a:t>
+            </a:r>
+          </a:p>
+          <a:p>
+            <a:pPr lvl="1"/>
+            <a:r>
+              <a:rPr lang="en-US" dirty="0">
+                <a:latin typeface="Calibri" panose="020F0502020204030204" pitchFamily="34" charset="0"/>
+                <a:cs typeface="Calibri" panose="020F0502020204030204" pitchFamily="34" charset="0"/>
+              </a:rPr>
+              <a:t>Information in reads with sequence errors may be ignored</a:t>
+            </a:r>
+          </a:p>
+          <a:p>
+            <a:pPr lvl="1"/>
+            <a:r>
+              <a:rPr lang="en-US" dirty="0">
+                <a:latin typeface="Calibri" panose="020F0502020204030204" pitchFamily="34" charset="0"/>
+                <a:cs typeface="Calibri" panose="020F0502020204030204" pitchFamily="34" charset="0"/>
+              </a:rPr>
+              <a:t>Limited potential for transcript discovery, variant calling, fusion detection, etc.</a:t>
+            </a:r>
+          </a:p>
+        </p:txBody>
+      </p:sp>
+    </p:spTree>
+    <p:extLst>
+      <p:ext uri="{BB962C8B-B14F-4D97-AF65-F5344CB8AC3E}">
+        <p14:creationId xmlns:p14="http://schemas.microsoft.com/office/powerpoint/2010/main" val="2302534323"/>
+      </p:ext>
+    </p:extLst>
+  </p:cSld>
+  <p:clrMapOvr>
+    <a:masterClrMapping/>
+  </p:clrMapOvr>
+</p:sld>
+</file>
+
+<file path=ppt/slides/slide6.xml><?xml version="1.0" encoding="utf-8"?>
+<p:sld xmlns:a="http://schemas.openxmlformats.org/drawingml/2006/main" xmlns:r="http://schemas.openxmlformats.org/officeDocument/2006/relationships" xmlns:p="http://schemas.openxmlformats.org/presentationml/2006/main">
+  <p:cSld>
+    <p:spTree>
+      <p:nvGrpSpPr>
+        <p:cNvPr id="1" name=""/>
+        <p:cNvGrpSpPr/>
+        <p:nvPr/>
+      </p:nvGrpSpPr>
+      <p:grpSpPr>
+        <a:xfrm>
+          <a:off x="0" y="0"/>
+          <a:ext cx="0" cy="0"/>
+          <a:chOff x="0" y="0"/>
+          <a:chExt cx="0" cy="0"/>
+        </a:xfrm>
+      </p:grpSpPr>
+      <p:sp>
+        <p:nvSpPr>
+          <p:cNvPr id="2" name="Title 1"/>
+          <p:cNvSpPr>
+            <a:spLocks noGrp="1"/>
+          </p:cNvSpPr>
+          <p:nvPr>
+            <p:ph type="title"/>
+          </p:nvPr>
+        </p:nvSpPr>
+        <p:spPr>
+          <a:xfrm>
+            <a:off x="1676400" y="44624"/>
+            <a:ext cx="8839200" cy="1143000"/>
+          </a:xfrm>
+        </p:spPr>
+        <p:txBody>
+          <a:bodyPr/>
+          <a:lstStyle/>
+          <a:p>
+            <a:r>
+              <a:rPr lang="en-US" b="1" dirty="0">
+                <a:latin typeface="Calibri" panose="020F0502020204030204" pitchFamily="34" charset="0"/>
+                <a:cs typeface="Calibri" panose="020F0502020204030204" pitchFamily="34" charset="0"/>
+              </a:rPr>
+              <a:t>Common alignment free tools</a:t>
+            </a:r>
+          </a:p>
+        </p:txBody>
+      </p:sp>
+      <p:sp>
+        <p:nvSpPr>
+          <p:cNvPr id="3" name="Content Placeholder 2"/>
+          <p:cNvSpPr>
+            <a:spLocks noGrp="1"/>
+          </p:cNvSpPr>
+          <p:nvPr>
+            <p:ph idx="1"/>
+          </p:nvPr>
+        </p:nvSpPr>
+        <p:spPr>
+          <a:xfrm>
+            <a:off x="838200" y="1398905"/>
+            <a:ext cx="10515600" cy="4351338"/>
+          </a:xfrm>
+        </p:spPr>
+        <p:txBody>
+          <a:bodyPr>
+            <a:normAutofit fontScale="92500" lnSpcReduction="10000"/>
+          </a:bodyPr>
+          <a:lstStyle/>
+          <a:p>
+            <a:r>
+              <a:rPr lang="en-US" sz="2400" dirty="0">
+                <a:latin typeface="Calibri" panose="020F0502020204030204" pitchFamily="34" charset="0"/>
+                <a:cs typeface="Calibri" panose="020F0502020204030204" pitchFamily="34" charset="0"/>
+              </a:rPr>
+              <a:t>Sailfish</a:t>
+            </a:r>
+          </a:p>
+          <a:p>
+            <a:pPr lvl="1"/>
+            <a:r>
+              <a:rPr lang="en-US" sz="2000" dirty="0">
+                <a:latin typeface="Calibri" panose="020F0502020204030204" pitchFamily="34" charset="0"/>
+                <a:cs typeface="Calibri" panose="020F0502020204030204" pitchFamily="34" charset="0"/>
+              </a:rPr>
+              <a:t>“Sailfish enables alignment-free isoform quantification from RNA-seq reads using lightweight algorithms.” 2014</a:t>
+            </a:r>
+          </a:p>
+          <a:p>
+            <a:pPr lvl="1"/>
+            <a:r>
+              <a:rPr lang="en-US" sz="2000" dirty="0">
+                <a:latin typeface="Calibri" panose="020F0502020204030204" pitchFamily="34" charset="0"/>
+                <a:cs typeface="Calibri" panose="020F0502020204030204" pitchFamily="34" charset="0"/>
+                <a:hlinkClick r:id="rId2"/>
+              </a:rPr>
+              <a:t>https://www.ncbi.nlm.nih.gov/pubmed/24752080</a:t>
+            </a:r>
+            <a:r>
+              <a:rPr lang="en-US" sz="2000" dirty="0">
+                <a:latin typeface="Calibri" panose="020F0502020204030204" pitchFamily="34" charset="0"/>
+                <a:cs typeface="Calibri" panose="020F0502020204030204" pitchFamily="34" charset="0"/>
+              </a:rPr>
+              <a:t> </a:t>
+            </a:r>
+          </a:p>
+          <a:p>
+            <a:r>
+              <a:rPr lang="en-US" sz="2400" dirty="0">
+                <a:latin typeface="Calibri" panose="020F0502020204030204" pitchFamily="34" charset="0"/>
+                <a:cs typeface="Calibri" panose="020F0502020204030204" pitchFamily="34" charset="0"/>
+              </a:rPr>
+              <a:t>RNA-Skim</a:t>
+            </a:r>
+          </a:p>
+          <a:p>
+            <a:pPr lvl="1"/>
+            <a:r>
+              <a:rPr lang="en-US" sz="2000" dirty="0">
+                <a:latin typeface="Calibri" panose="020F0502020204030204" pitchFamily="34" charset="0"/>
+                <a:cs typeface="Calibri" panose="020F0502020204030204" pitchFamily="34" charset="0"/>
+              </a:rPr>
+              <a:t>“RNA-Skim: a rapid method for RNA-Seq quantification at transcript level.” 2014</a:t>
+            </a:r>
+          </a:p>
+          <a:p>
+            <a:pPr lvl="1"/>
+            <a:r>
+              <a:rPr lang="en-US" sz="2000" dirty="0">
+                <a:latin typeface="Calibri" panose="020F0502020204030204" pitchFamily="34" charset="0"/>
+                <a:cs typeface="Calibri" panose="020F0502020204030204" pitchFamily="34" charset="0"/>
+                <a:hlinkClick r:id="rId3"/>
+              </a:rPr>
+              <a:t>https://www.ncbi.nlm.nih.gov/pubmed/24931995</a:t>
+            </a:r>
+            <a:r>
+              <a:rPr lang="en-US" sz="2000" dirty="0">
+                <a:latin typeface="Calibri" panose="020F0502020204030204" pitchFamily="34" charset="0"/>
+                <a:cs typeface="Calibri" panose="020F0502020204030204" pitchFamily="34" charset="0"/>
+              </a:rPr>
+              <a:t> </a:t>
+            </a:r>
+          </a:p>
+          <a:p>
+            <a:r>
+              <a:rPr lang="en-US" sz="2400" dirty="0" err="1">
+                <a:latin typeface="Calibri" panose="020F0502020204030204" pitchFamily="34" charset="0"/>
+                <a:cs typeface="Calibri" panose="020F0502020204030204" pitchFamily="34" charset="0"/>
+              </a:rPr>
+              <a:t>Kallisto</a:t>
+            </a:r>
+            <a:endParaRPr lang="en-US" sz="2400" dirty="0">
+              <a:latin typeface="Calibri" panose="020F0502020204030204" pitchFamily="34" charset="0"/>
+              <a:cs typeface="Calibri" panose="020F0502020204030204" pitchFamily="34" charset="0"/>
+            </a:endParaRPr>
+          </a:p>
+          <a:p>
+            <a:pPr lvl="1"/>
+            <a:r>
+              <a:rPr lang="en-US" sz="2000" dirty="0">
+                <a:latin typeface="Calibri" panose="020F0502020204030204" pitchFamily="34" charset="0"/>
+                <a:cs typeface="Calibri" panose="020F0502020204030204" pitchFamily="34" charset="0"/>
+              </a:rPr>
+              <a:t>“Near-optimal probabilistic RNA-seq quantification.” 2016</a:t>
+            </a:r>
+          </a:p>
+          <a:p>
+            <a:pPr lvl="1"/>
+            <a:r>
+              <a:rPr lang="en-US" sz="2000" dirty="0">
+                <a:latin typeface="Calibri" panose="020F0502020204030204" pitchFamily="34" charset="0"/>
+                <a:cs typeface="Calibri" panose="020F0502020204030204" pitchFamily="34" charset="0"/>
+                <a:hlinkClick r:id="rId4"/>
+              </a:rPr>
+              <a:t>https://www.ncbi.nlm.nih.gov/pubmed/27043002</a:t>
+            </a:r>
+            <a:r>
+              <a:rPr lang="en-US" sz="2000" dirty="0">
+                <a:latin typeface="Calibri" panose="020F0502020204030204" pitchFamily="34" charset="0"/>
+                <a:cs typeface="Calibri" panose="020F0502020204030204" pitchFamily="34" charset="0"/>
+              </a:rPr>
+              <a:t> </a:t>
+            </a:r>
+          </a:p>
+          <a:p>
+            <a:r>
+              <a:rPr lang="en-US" sz="2400" dirty="0">
+                <a:latin typeface="Calibri" panose="020F0502020204030204" pitchFamily="34" charset="0"/>
+                <a:cs typeface="Calibri" panose="020F0502020204030204" pitchFamily="34" charset="0"/>
+              </a:rPr>
+              <a:t>Salmon</a:t>
+            </a:r>
+          </a:p>
+          <a:p>
+            <a:pPr lvl="1"/>
+            <a:r>
+              <a:rPr lang="en-US" sz="2000" dirty="0">
+                <a:latin typeface="Calibri" panose="020F0502020204030204" pitchFamily="34" charset="0"/>
+                <a:cs typeface="Calibri" panose="020F0502020204030204" pitchFamily="34" charset="0"/>
+              </a:rPr>
+              <a:t>“Salmon provides fast and bias-aware quantification of transcript expression.” 2017</a:t>
+            </a:r>
+          </a:p>
+          <a:p>
+            <a:pPr lvl="1"/>
+            <a:r>
+              <a:rPr lang="en-US" sz="2000" dirty="0">
+                <a:latin typeface="Calibri" panose="020F0502020204030204" pitchFamily="34" charset="0"/>
+                <a:cs typeface="Calibri" panose="020F0502020204030204" pitchFamily="34" charset="0"/>
+                <a:hlinkClick r:id="rId5"/>
+              </a:rPr>
+              <a:t>https://www.ncbi.nlm.nih.gov/pubmed/28263959</a:t>
+            </a:r>
+            <a:r>
+              <a:rPr lang="en-US" sz="2000" dirty="0">
+                <a:latin typeface="Calibri" panose="020F0502020204030204" pitchFamily="34" charset="0"/>
+                <a:cs typeface="Calibri" panose="020F0502020204030204" pitchFamily="34" charset="0"/>
+              </a:rPr>
+              <a:t> </a:t>
+            </a:r>
+          </a:p>
+          <a:p>
+            <a:endParaRPr lang="en-US" sz="2400" dirty="0">
+              <a:latin typeface="Calibri" panose="020F0502020204030204" pitchFamily="34" charset="0"/>
+              <a:cs typeface="Calibri" panose="020F0502020204030204" pitchFamily="34" charset="0"/>
+            </a:endParaRPr>
+          </a:p>
+        </p:txBody>
+      </p:sp>
+    </p:spTree>
+    <p:extLst>
+      <p:ext uri="{BB962C8B-B14F-4D97-AF65-F5344CB8AC3E}">
+        <p14:creationId xmlns:p14="http://schemas.microsoft.com/office/powerpoint/2010/main" val="2215246279"/>
+      </p:ext>
+    </p:extLst>
+  </p:cSld>
+  <p:clrMapOvr>
+    <a:masterClrMapping/>
+  </p:clrMapOvr>
+</p:sld>
+</file>
+
+<file path=ppt/slides/slide7.xml><?xml version="1.0" encoding="utf-8"?>
+<p:sld xmlns:a="http://schemas.openxmlformats.org/drawingml/2006/main" xmlns:r="http://schemas.openxmlformats.org/officeDocument/2006/relationships" xmlns:p="http://schemas.openxmlformats.org/presentationml/2006/main">
+  <p:cSld>
+    <p:spTree>
+      <p:nvGrpSpPr>
+        <p:cNvPr id="1" name=""/>
+        <p:cNvGrpSpPr/>
+        <p:nvPr/>
+      </p:nvGrpSpPr>
+      <p:grpSpPr>
+        <a:xfrm>
+          <a:off x="0" y="0"/>
+          <a:ext cx="0" cy="0"/>
+          <a:chOff x="0" y="0"/>
+          <a:chExt cx="0" cy="0"/>
+        </a:xfrm>
+      </p:grpSpPr>
+      <p:sp>
+        <p:nvSpPr>
+          <p:cNvPr id="2" name="Title 1"/>
+          <p:cNvSpPr>
+            <a:spLocks noGrp="1"/>
+          </p:cNvSpPr>
+          <p:nvPr>
+            <p:ph type="title"/>
+          </p:nvPr>
+        </p:nvSpPr>
+        <p:spPr>
+          <a:xfrm>
+            <a:off x="1676400" y="44624"/>
+            <a:ext cx="8839200" cy="1143000"/>
+          </a:xfrm>
+        </p:spPr>
+        <p:txBody>
+          <a:bodyPr>
+            <a:normAutofit/>
+          </a:bodyPr>
+          <a:lstStyle/>
+          <a:p>
+            <a:pPr algn="ctr"/>
+            <a:r>
+              <a:rPr lang="en-US" b="1" dirty="0">
+                <a:latin typeface="Calibri" panose="020F0502020204030204" pitchFamily="34" charset="0"/>
+                <a:cs typeface="Calibri" panose="020F0502020204030204" pitchFamily="34" charset="0"/>
+              </a:rPr>
+              <a:t>Which is best?</a:t>
+            </a:r>
+          </a:p>
+        </p:txBody>
+      </p:sp>
+      <p:sp>
+        <p:nvSpPr>
+          <p:cNvPr id="3" name="Content Placeholder 2"/>
+          <p:cNvSpPr>
+            <a:spLocks noGrp="1"/>
+          </p:cNvSpPr>
+          <p:nvPr>
+            <p:ph idx="1"/>
+          </p:nvPr>
+        </p:nvSpPr>
+        <p:spPr>
+          <a:xfrm>
+            <a:off x="838200" y="1386713"/>
+            <a:ext cx="10515600" cy="4351338"/>
+          </a:xfrm>
+        </p:spPr>
+        <p:txBody>
+          <a:bodyPr/>
+          <a:lstStyle/>
+          <a:p>
+            <a:r>
+              <a:rPr lang="en-US" dirty="0">
+                <a:latin typeface="Calibri" panose="020F0502020204030204" pitchFamily="34" charset="0"/>
+                <a:cs typeface="Calibri" panose="020F0502020204030204" pitchFamily="34" charset="0"/>
+              </a:rPr>
+              <a:t>Somewhat controversial </a:t>
+            </a:r>
+            <a:r>
+              <a:rPr lang="mr-IN" dirty="0">
+                <a:latin typeface="Calibri" panose="020F0502020204030204" pitchFamily="34" charset="0"/>
+              </a:rPr>
+              <a:t>…</a:t>
+            </a:r>
+            <a:endParaRPr lang="en-US" dirty="0">
+              <a:latin typeface="Calibri" panose="020F0502020204030204" pitchFamily="34" charset="0"/>
+              <a:cs typeface="Calibri" panose="020F0502020204030204" pitchFamily="34" charset="0"/>
+            </a:endParaRPr>
+          </a:p>
+          <a:p>
+            <a:r>
+              <a:rPr lang="en-US" dirty="0">
+                <a:latin typeface="Calibri" panose="020F0502020204030204" pitchFamily="34" charset="0"/>
+                <a:cs typeface="Calibri" panose="020F0502020204030204" pitchFamily="34" charset="0"/>
+                <a:hlinkClick r:id="rId2"/>
+              </a:rPr>
+              <a:t>https://liorpachter.wordpress.com/2017/08/02/how-not-to-perform-a-differential-expression-analysis-or-science/</a:t>
+            </a:r>
+            <a:r>
+              <a:rPr lang="en-US" dirty="0">
+                <a:latin typeface="Calibri" panose="020F0502020204030204" pitchFamily="34" charset="0"/>
+                <a:cs typeface="Calibri" panose="020F0502020204030204" pitchFamily="34" charset="0"/>
+              </a:rPr>
+              <a:t> </a:t>
+            </a:r>
+          </a:p>
+          <a:p>
+            <a:endParaRPr lang="en-US" dirty="0">
+              <a:latin typeface="Calibri" panose="020F0502020204030204" pitchFamily="34" charset="0"/>
+              <a:cs typeface="Calibri" panose="020F0502020204030204" pitchFamily="34" charset="0"/>
+            </a:endParaRPr>
+          </a:p>
+          <a:p>
+            <a:r>
+              <a:rPr lang="en-US" dirty="0">
+                <a:latin typeface="Calibri" panose="020F0502020204030204" pitchFamily="34" charset="0"/>
+                <a:cs typeface="Calibri" panose="020F0502020204030204" pitchFamily="34" charset="0"/>
+              </a:rPr>
+              <a:t>Various sources suggest that Salmon, </a:t>
+            </a:r>
+            <a:r>
+              <a:rPr lang="en-US" dirty="0" err="1">
+                <a:latin typeface="Calibri" panose="020F0502020204030204" pitchFamily="34" charset="0"/>
+                <a:cs typeface="Calibri" panose="020F0502020204030204" pitchFamily="34" charset="0"/>
+              </a:rPr>
+              <a:t>Kallisto</a:t>
+            </a:r>
+            <a:r>
+              <a:rPr lang="en-US" dirty="0">
+                <a:latin typeface="Calibri" panose="020F0502020204030204" pitchFamily="34" charset="0"/>
+                <a:cs typeface="Calibri" panose="020F0502020204030204" pitchFamily="34" charset="0"/>
+              </a:rPr>
+              <a:t>, and Sailfish  results are quite comparable</a:t>
+            </a:r>
+            <a:br>
+              <a:rPr lang="en-US" dirty="0">
+                <a:latin typeface="Calibri" panose="020F0502020204030204" pitchFamily="34" charset="0"/>
+                <a:cs typeface="Calibri" panose="020F0502020204030204" pitchFamily="34" charset="0"/>
+              </a:rPr>
+            </a:br>
+            <a:endParaRPr lang="en-US" dirty="0">
+              <a:latin typeface="Calibri" panose="020F0502020204030204" pitchFamily="34" charset="0"/>
+              <a:cs typeface="Calibri" panose="020F0502020204030204" pitchFamily="34" charset="0"/>
+            </a:endParaRPr>
+          </a:p>
+          <a:p>
+            <a:r>
+              <a:rPr lang="en-US" dirty="0">
+                <a:latin typeface="Calibri" panose="020F0502020204030204" pitchFamily="34" charset="0"/>
+                <a:cs typeface="Calibri" panose="020F0502020204030204" pitchFamily="34" charset="0"/>
+              </a:rPr>
+              <a:t>Usability, documentation, and supporting downstream tools could be used to decide</a:t>
+            </a:r>
+          </a:p>
+        </p:txBody>
+      </p:sp>
+    </p:spTree>
+    <p:extLst>
+      <p:ext uri="{BB962C8B-B14F-4D97-AF65-F5344CB8AC3E}">
+        <p14:creationId xmlns:p14="http://schemas.microsoft.com/office/powerpoint/2010/main" val="3066513057"/>
       </p:ext>
     </p:extLst>
   </p:cSld>
